--- a/Credit Default detector_v6.pptx
+++ b/Credit Default detector_v6.pptx
@@ -20,7 +20,7 @@
     <p:sldId id="275" r:id="rId11"/>
   </p:sldIdLst>
   <p:sldSz cx="12192000" cy="6858000"/>
-  <p:notesSz cx="6858000" cy="9144000"/>
+  <p:notesSz cx="7315200" cy="9601200"/>
   <p:defaultTextStyle>
     <a:defPPr>
       <a:defRPr lang="en-US"/>
@@ -118,7 +118,7 @@
   </p:defaultTextStyle>
   <p:extLst>
     <p:ext uri="{EFAFB233-063F-42B5-8137-9DF3F51BA10A}">
-      <p15:sldGuideLst xmlns:p15="http://schemas.microsoft.com/office/powerpoint/2012/main"/>
+      <p15:sldGuideLst xmlns="" xmlns:p15="http://schemas.microsoft.com/office/powerpoint/2012/main"/>
     </p:ext>
   </p:extLst>
 </p:presentation>
@@ -1082,6 +1082,13 @@
         </dgm:presLayoutVars>
       </dgm:prSet>
       <dgm:spPr/>
+      <dgm:t>
+        <a:bodyPr/>
+        <a:lstStyle/>
+        <a:p>
+          <a:endParaRPr lang="en-US"/>
+        </a:p>
+      </dgm:t>
     </dgm:pt>
     <dgm:pt modelId="{397CAE2E-DC04-42E9-B6AA-3C073FE2D020}" type="pres">
       <dgm:prSet presAssocID="{2902187E-3B0E-473F-8FD0-FC0F383CF575}" presName="composite" presStyleCnt="0">
@@ -1113,7 +1120,7 @@
           <a:blip xmlns:r="http://schemas.openxmlformats.org/officeDocument/2006/relationships" r:embed="rId1">
             <a:extLst>
               <a:ext uri="{28A0092B-C50C-407E-A947-70E740481C1C}">
-                <a14:useLocalDpi xmlns:a14="http://schemas.microsoft.com/office/drawing/2010/main" val="0"/>
+                <a14:useLocalDpi xmlns="" xmlns:a14="http://schemas.microsoft.com/office/drawing/2010/main" val="0"/>
               </a:ext>
             </a:extLst>
           </a:blip>
@@ -1147,6 +1154,13 @@
         </dgm:presLayoutVars>
       </dgm:prSet>
       <dgm:spPr/>
+      <dgm:t>
+        <a:bodyPr/>
+        <a:lstStyle/>
+        <a:p>
+          <a:endParaRPr lang="en-US"/>
+        </a:p>
+      </dgm:t>
     </dgm:pt>
     <dgm:pt modelId="{44559133-835A-41E1-8F67-199F4C51A7FE}" type="pres">
       <dgm:prSet presAssocID="{4024DDA4-BC92-4EA9-8406-3C48B3799E38}" presName="sibTrans" presStyleCnt="0"/>
@@ -1202,6 +1216,13 @@
         </dgm:presLayoutVars>
       </dgm:prSet>
       <dgm:spPr/>
+      <dgm:t>
+        <a:bodyPr/>
+        <a:lstStyle/>
+        <a:p>
+          <a:endParaRPr lang="en-US"/>
+        </a:p>
+      </dgm:t>
     </dgm:pt>
     <dgm:pt modelId="{57DF82AA-B583-4332-B2CF-26EBBDD98895}" type="pres">
       <dgm:prSet presAssocID="{5086BEA2-65F9-47BB-9CBE-9A9CCDFE77FE}" presName="sibTrans" presStyleCnt="0"/>
@@ -1237,7 +1258,7 @@
           <a:blip xmlns:r="http://schemas.openxmlformats.org/officeDocument/2006/relationships" r:embed="rId2">
             <a:extLst>
               <a:ext uri="{28A0092B-C50C-407E-A947-70E740481C1C}">
-                <a14:useLocalDpi xmlns:a14="http://schemas.microsoft.com/office/drawing/2010/main" val="0"/>
+                <a14:useLocalDpi xmlns="" xmlns:a14="http://schemas.microsoft.com/office/drawing/2010/main" val="0"/>
               </a:ext>
             </a:extLst>
           </a:blip>
@@ -1271,6 +1292,13 @@
         </dgm:presLayoutVars>
       </dgm:prSet>
       <dgm:spPr/>
+      <dgm:t>
+        <a:bodyPr/>
+        <a:lstStyle/>
+        <a:p>
+          <a:endParaRPr lang="en-US"/>
+        </a:p>
+      </dgm:t>
     </dgm:pt>
     <dgm:pt modelId="{1C2D7DA6-968A-4D9D-AC5C-7B07D50487CC}" type="pres">
       <dgm:prSet presAssocID="{D9E7982A-4C42-4406-ABCB-473518378790}" presName="sibTrans" presStyleCnt="0"/>
@@ -1334,18 +1362,25 @@
         </dgm:presLayoutVars>
       </dgm:prSet>
       <dgm:spPr/>
+      <dgm:t>
+        <a:bodyPr/>
+        <a:lstStyle/>
+        <a:p>
+          <a:endParaRPr lang="en-US"/>
+        </a:p>
+      </dgm:t>
     </dgm:pt>
   </dgm:ptLst>
   <dgm:cxnLst>
+    <dgm:cxn modelId="{BB6DF471-A218-4F1C-B3BD-DCC4FFD8ED3B}" type="presOf" srcId="{B9E09A4A-CCA8-4F69-8979-7018D9BE4FB8}" destId="{31673BAE-8D52-4E0F-A4D0-E3D60F07C823}" srcOrd="0" destOrd="0" presId="urn:microsoft.com/office/officeart/2008/layout/CaptionedPictures"/>
+    <dgm:cxn modelId="{312ED7DE-B1D5-43BE-958A-0ECE0FF4F3E1}" srcId="{B9E09A4A-CCA8-4F69-8979-7018D9BE4FB8}" destId="{09738C52-7579-4F90-B727-E125CD2CB6A1}" srcOrd="1" destOrd="0" parTransId="{08958FC3-B2F0-4445-BA6D-0C2EE0932870}" sibTransId="{5086BEA2-65F9-47BB-9CBE-9A9CCDFE77FE}"/>
+    <dgm:cxn modelId="{901E1D74-86C2-42AA-8A67-C2AF34B04C9D}" type="presOf" srcId="{09738C52-7579-4F90-B727-E125CD2CB6A1}" destId="{289B8921-1F9D-4DA3-A58F-2ACA96436F62}" srcOrd="0" destOrd="0" presId="urn:microsoft.com/office/officeart/2008/layout/CaptionedPictures"/>
+    <dgm:cxn modelId="{ADE6B7D7-213B-4CCF-9B7F-D6451D696679}" srcId="{B9E09A4A-CCA8-4F69-8979-7018D9BE4FB8}" destId="{2902187E-3B0E-473F-8FD0-FC0F383CF575}" srcOrd="0" destOrd="0" parTransId="{5A6376D8-54F4-4EE0-A8EF-A03FB6B8020E}" sibTransId="{4024DDA4-BC92-4EA9-8406-3C48B3799E38}"/>
     <dgm:cxn modelId="{B64DE11C-8755-4D6D-8E7E-CCDB2274939A}" srcId="{B9E09A4A-CCA8-4F69-8979-7018D9BE4FB8}" destId="{BFB32893-2A84-469A-BD90-07EE114FD3D1}" srcOrd="3" destOrd="0" parTransId="{B00883C8-6891-4F73-991F-C880FBA2321C}" sibTransId="{19F089AA-DCCF-4EFA-B09C-CCE6DCFCB476}"/>
-    <dgm:cxn modelId="{BB6DF471-A218-4F1C-B3BD-DCC4FFD8ED3B}" type="presOf" srcId="{B9E09A4A-CCA8-4F69-8979-7018D9BE4FB8}" destId="{31673BAE-8D52-4E0F-A4D0-E3D60F07C823}" srcOrd="0" destOrd="0" presId="urn:microsoft.com/office/officeart/2008/layout/CaptionedPictures"/>
-    <dgm:cxn modelId="{901E1D74-86C2-42AA-8A67-C2AF34B04C9D}" type="presOf" srcId="{09738C52-7579-4F90-B727-E125CD2CB6A1}" destId="{289B8921-1F9D-4DA3-A58F-2ACA96436F62}" srcOrd="0" destOrd="0" presId="urn:microsoft.com/office/officeart/2008/layout/CaptionedPictures"/>
-    <dgm:cxn modelId="{81AC5558-F3F7-43FC-BB11-EB317E17EC6B}" srcId="{B9E09A4A-CCA8-4F69-8979-7018D9BE4FB8}" destId="{9C28268D-7924-4421-841C-B7C96851D5D4}" srcOrd="2" destOrd="0" parTransId="{737F0854-D34F-4B00-9B15-BD68A0697265}" sibTransId="{D9E7982A-4C42-4406-ABCB-473518378790}"/>
-    <dgm:cxn modelId="{076FE48F-4877-4A85-A62D-B555F9E0EFF3}" type="presOf" srcId="{2902187E-3B0E-473F-8FD0-FC0F383CF575}" destId="{57BD8566-9E1B-4298-AF41-528815ABD600}" srcOrd="0" destOrd="0" presId="urn:microsoft.com/office/officeart/2008/layout/CaptionedPictures"/>
     <dgm:cxn modelId="{BFDEC5B5-D679-41B0-94AB-F21DD259945C}" type="presOf" srcId="{BFB32893-2A84-469A-BD90-07EE114FD3D1}" destId="{2D9B9575-C59E-4A14-96B3-EB377DFF71B8}" srcOrd="0" destOrd="0" presId="urn:microsoft.com/office/officeart/2008/layout/CaptionedPictures"/>
     <dgm:cxn modelId="{D01445C2-8000-45E7-9B17-6FA41463FDDF}" type="presOf" srcId="{9C28268D-7924-4421-841C-B7C96851D5D4}" destId="{EDA8A7BB-423F-4A2C-ADAD-8D18D6A469A7}" srcOrd="0" destOrd="0" presId="urn:microsoft.com/office/officeart/2008/layout/CaptionedPictures"/>
-    <dgm:cxn modelId="{ADE6B7D7-213B-4CCF-9B7F-D6451D696679}" srcId="{B9E09A4A-CCA8-4F69-8979-7018D9BE4FB8}" destId="{2902187E-3B0E-473F-8FD0-FC0F383CF575}" srcOrd="0" destOrd="0" parTransId="{5A6376D8-54F4-4EE0-A8EF-A03FB6B8020E}" sibTransId="{4024DDA4-BC92-4EA9-8406-3C48B3799E38}"/>
-    <dgm:cxn modelId="{312ED7DE-B1D5-43BE-958A-0ECE0FF4F3E1}" srcId="{B9E09A4A-CCA8-4F69-8979-7018D9BE4FB8}" destId="{09738C52-7579-4F90-B727-E125CD2CB6A1}" srcOrd="1" destOrd="0" parTransId="{08958FC3-B2F0-4445-BA6D-0C2EE0932870}" sibTransId="{5086BEA2-65F9-47BB-9CBE-9A9CCDFE77FE}"/>
+    <dgm:cxn modelId="{076FE48F-4877-4A85-A62D-B555F9E0EFF3}" type="presOf" srcId="{2902187E-3B0E-473F-8FD0-FC0F383CF575}" destId="{57BD8566-9E1B-4298-AF41-528815ABD600}" srcOrd="0" destOrd="0" presId="urn:microsoft.com/office/officeart/2008/layout/CaptionedPictures"/>
+    <dgm:cxn modelId="{81AC5558-F3F7-43FC-BB11-EB317E17EC6B}" srcId="{B9E09A4A-CCA8-4F69-8979-7018D9BE4FB8}" destId="{9C28268D-7924-4421-841C-B7C96851D5D4}" srcOrd="2" destOrd="0" parTransId="{737F0854-D34F-4B00-9B15-BD68A0697265}" sibTransId="{D9E7982A-4C42-4406-ABCB-473518378790}"/>
     <dgm:cxn modelId="{BB51B938-C206-4DD5-8C36-868D03ED1F25}" type="presParOf" srcId="{31673BAE-8D52-4E0F-A4D0-E3D60F07C823}" destId="{397CAE2E-DC04-42E9-B6AA-3C073FE2D020}" srcOrd="0" destOrd="0" presId="urn:microsoft.com/office/officeart/2008/layout/CaptionedPictures"/>
     <dgm:cxn modelId="{E1555DFF-0896-4D91-B333-BD1BCF7B1084}" type="presParOf" srcId="{397CAE2E-DC04-42E9-B6AA-3C073FE2D020}" destId="{322DDC06-E0D7-4729-B9A4-F817E81463AE}" srcOrd="0" destOrd="0" presId="urn:microsoft.com/office/officeart/2008/layout/CaptionedPictures"/>
     <dgm:cxn modelId="{D6FE9694-3D96-4EB2-8868-F4291A222B96}" type="presParOf" srcId="{397CAE2E-DC04-42E9-B6AA-3C073FE2D020}" destId="{6616B052-ADEE-43DF-A524-D4EE6BF4E702}" srcOrd="1" destOrd="0" presId="urn:microsoft.com/office/officeart/2008/layout/CaptionedPictures"/>
@@ -1378,7 +1413,7 @@
   <dgm:whole/>
   <dgm:extLst>
     <a:ext uri="http://schemas.microsoft.com/office/drawing/2008/diagram">
-      <dsp:dataModelExt xmlns:dsp="http://schemas.microsoft.com/office/drawing/2008/diagram" relId="rId6" minVer="http://schemas.openxmlformats.org/drawingml/2006/diagram"/>
+      <dsp:dataModelExt xmlns="" xmlns:dsp="http://schemas.microsoft.com/office/drawing/2008/diagram" relId="rId6" minVer="http://schemas.openxmlformats.org/drawingml/2006/diagram"/>
     </a:ext>
   </dgm:extLst>
 </dgm:dataModel>
@@ -3554,17 +3589,17 @@
         <p:spPr>
           <a:xfrm>
             <a:off x="0" y="0"/>
-            <a:ext cx="2971800" cy="458788"/>
+            <a:ext cx="3169920" cy="481727"/>
           </a:xfrm>
           <a:prstGeom prst="rect">
             <a:avLst/>
           </a:prstGeom>
         </p:spPr>
         <p:txBody>
-          <a:bodyPr vert="horz" lIns="91440" tIns="45720" rIns="91440" bIns="45720" rtlCol="0"/>
+          <a:bodyPr vert="horz" lIns="96661" tIns="48331" rIns="96661" bIns="48331" rtlCol="0"/>
           <a:lstStyle>
             <a:lvl1pPr algn="l">
-              <a:defRPr sz="1200"/>
+              <a:defRPr sz="1300"/>
             </a:lvl1pPr>
           </a:lstStyle>
           <a:p>
@@ -3584,24 +3619,25 @@
         </p:nvSpPr>
         <p:spPr>
           <a:xfrm>
-            <a:off x="3884613" y="0"/>
-            <a:ext cx="2971800" cy="458788"/>
+            <a:off x="4143587" y="0"/>
+            <a:ext cx="3169920" cy="481727"/>
           </a:xfrm>
           <a:prstGeom prst="rect">
             <a:avLst/>
           </a:prstGeom>
         </p:spPr>
         <p:txBody>
-          <a:bodyPr vert="horz" lIns="91440" tIns="45720" rIns="91440" bIns="45720" rtlCol="0"/>
+          <a:bodyPr vert="horz" lIns="96661" tIns="48331" rIns="96661" bIns="48331" rtlCol="0"/>
           <a:lstStyle>
             <a:lvl1pPr algn="r">
-              <a:defRPr sz="1200"/>
+              <a:defRPr sz="1300"/>
             </a:lvl1pPr>
           </a:lstStyle>
           <a:p>
             <a:fld id="{03B69569-668C-438B-8D5E-9E0B2CBA871B}" type="datetimeFigureOut">
               <a:rPr lang="en-US" smtClean="0"/>
-              <a:t>7/21/2021</a:t>
+              <a:pPr/>
+              <a:t>7/26/2021</a:t>
             </a:fld>
             <a:endParaRPr lang="en-US"/>
           </a:p>
@@ -3619,8 +3655,8 @@
         </p:nvSpPr>
         <p:spPr>
           <a:xfrm>
-            <a:off x="685800" y="1143000"/>
-            <a:ext cx="5486400" cy="3086100"/>
+            <a:off x="777875" y="1200150"/>
+            <a:ext cx="5759450" cy="3240088"/>
           </a:xfrm>
           <a:prstGeom prst="rect">
             <a:avLst/>
@@ -3633,7 +3669,7 @@
           </a:ln>
         </p:spPr>
         <p:txBody>
-          <a:bodyPr vert="horz" lIns="91440" tIns="45720" rIns="91440" bIns="45720" rtlCol="0" anchor="ctr"/>
+          <a:bodyPr vert="horz" lIns="96661" tIns="48331" rIns="96661" bIns="48331" rtlCol="0" anchor="ctr"/>
           <a:lstStyle/>
           <a:p>
             <a:endParaRPr lang="en-US"/>
@@ -3652,15 +3688,15 @@
         </p:nvSpPr>
         <p:spPr>
           <a:xfrm>
-            <a:off x="685800" y="4400550"/>
-            <a:ext cx="5486400" cy="3600450"/>
+            <a:off x="731520" y="4620577"/>
+            <a:ext cx="5852160" cy="3780473"/>
           </a:xfrm>
           <a:prstGeom prst="rect">
             <a:avLst/>
           </a:prstGeom>
         </p:spPr>
         <p:txBody>
-          <a:bodyPr vert="horz" lIns="91440" tIns="45720" rIns="91440" bIns="45720" rtlCol="0"/>
+          <a:bodyPr vert="horz" lIns="96661" tIns="48331" rIns="96661" bIns="48331" rtlCol="0"/>
           <a:lstStyle/>
           <a:p>
             <a:pPr lvl="0"/>
@@ -3711,18 +3747,18 @@
         </p:nvSpPr>
         <p:spPr>
           <a:xfrm>
-            <a:off x="0" y="8685213"/>
-            <a:ext cx="2971800" cy="458787"/>
+            <a:off x="0" y="9119474"/>
+            <a:ext cx="3169920" cy="481726"/>
           </a:xfrm>
           <a:prstGeom prst="rect">
             <a:avLst/>
           </a:prstGeom>
         </p:spPr>
         <p:txBody>
-          <a:bodyPr vert="horz" lIns="91440" tIns="45720" rIns="91440" bIns="45720" rtlCol="0" anchor="b"/>
+          <a:bodyPr vert="horz" lIns="96661" tIns="48331" rIns="96661" bIns="48331" rtlCol="0" anchor="b"/>
           <a:lstStyle>
             <a:lvl1pPr algn="l">
-              <a:defRPr sz="1200"/>
+              <a:defRPr sz="1300"/>
             </a:lvl1pPr>
           </a:lstStyle>
           <a:p>
@@ -3742,23 +3778,24 @@
         </p:nvSpPr>
         <p:spPr>
           <a:xfrm>
-            <a:off x="3884613" y="8685213"/>
-            <a:ext cx="2971800" cy="458787"/>
+            <a:off x="4143587" y="9119474"/>
+            <a:ext cx="3169920" cy="481726"/>
           </a:xfrm>
           <a:prstGeom prst="rect">
             <a:avLst/>
           </a:prstGeom>
         </p:spPr>
         <p:txBody>
-          <a:bodyPr vert="horz" lIns="91440" tIns="45720" rIns="91440" bIns="45720" rtlCol="0" anchor="b"/>
+          <a:bodyPr vert="horz" lIns="96661" tIns="48331" rIns="96661" bIns="48331" rtlCol="0" anchor="b"/>
           <a:lstStyle>
             <a:lvl1pPr algn="r">
-              <a:defRPr sz="1200"/>
+              <a:defRPr sz="1300"/>
             </a:lvl1pPr>
           </a:lstStyle>
           <a:p>
             <a:fld id="{C4D7DC65-18B0-4494-A2EB-A2BDD0672859}" type="slidenum">
               <a:rPr lang="en-US" smtClean="0"/>
+              <a:pPr/>
               <a:t>‹#›</a:t>
             </a:fld>
             <a:endParaRPr lang="en-US"/>
@@ -3768,7 +3805,7 @@
     </p:spTree>
     <p:extLst>
       <p:ext uri="{BB962C8B-B14F-4D97-AF65-F5344CB8AC3E}">
-        <p14:creationId xmlns:p14="http://schemas.microsoft.com/office/powerpoint/2010/main" val="1064229214"/>
+        <p14:creationId xmlns="" xmlns:p14="http://schemas.microsoft.com/office/powerpoint/2010/main" val="1064229214"/>
       </p:ext>
     </p:extLst>
   </p:cSld>
@@ -3913,184 +3950,84 @@
           <a:lstStyle/>
           <a:p>
             <a:r>
-              <a:rPr lang="en-US" sz="1200" b="1" kern="1200" dirty="0">
-                <a:solidFill>
-                  <a:schemeClr val="tx1"/>
-                </a:solidFill>
-                <a:effectLst/>
-                <a:latin typeface="+mn-lt"/>
-                <a:ea typeface="+mn-ea"/>
-                <a:cs typeface="+mn-cs"/>
-              </a:rPr>
+              <a:rPr lang="en-US" sz="1300" b="1" dirty="0"/>
               <a:t>Source: JPMC annual report 2019.</a:t>
             </a:r>
           </a:p>
           <a:p>
-            <a:endParaRPr lang="en-US" sz="1200" b="1" kern="1200" dirty="0">
-              <a:solidFill>
-                <a:schemeClr val="tx1"/>
-              </a:solidFill>
-              <a:effectLst/>
-              <a:latin typeface="+mn-lt"/>
-              <a:ea typeface="+mn-ea"/>
-              <a:cs typeface="+mn-cs"/>
-            </a:endParaRPr>
-          </a:p>
-          <a:p>
-            <a:r>
-              <a:rPr lang="en-US" sz="1200" b="1" kern="1200" dirty="0">
-                <a:solidFill>
-                  <a:schemeClr val="tx1"/>
-                </a:solidFill>
-                <a:effectLst/>
-                <a:latin typeface="+mn-lt"/>
-                <a:ea typeface="+mn-ea"/>
-                <a:cs typeface="+mn-cs"/>
-              </a:rPr>
+            <a:endParaRPr lang="en-US" sz="1300" b="1" dirty="0"/>
+          </a:p>
+          <a:p>
+            <a:r>
+              <a:rPr lang="en-US" sz="1300" b="1" dirty="0"/>
               <a:t>Dataset</a:t>
             </a:r>
           </a:p>
           <a:p>
             <a:r>
-              <a:rPr lang="en-US" sz="1200" kern="1200" dirty="0">
-                <a:solidFill>
-                  <a:schemeClr val="tx1"/>
-                </a:solidFill>
-                <a:effectLst/>
-                <a:latin typeface="+mn-lt"/>
-                <a:ea typeface="+mn-ea"/>
-                <a:cs typeface="+mn-cs"/>
-              </a:rPr>
+              <a:rPr lang="en-US" sz="1300" dirty="0"/>
               <a:t> </a:t>
             </a:r>
           </a:p>
           <a:p>
             <a:r>
-              <a:rPr lang="en-US" sz="1200" kern="1200" dirty="0">
-                <a:solidFill>
-                  <a:schemeClr val="tx1"/>
-                </a:solidFill>
-                <a:effectLst/>
-                <a:latin typeface="+mn-lt"/>
-                <a:ea typeface="+mn-ea"/>
-                <a:cs typeface="+mn-cs"/>
-              </a:rPr>
+              <a:rPr lang="en-US" sz="1300" dirty="0"/>
               <a:t>The dataset we selected from Kaggle contains information about credit card loan transactions from a credit risk perspective. It's a large dataset containing 122 attributes  and over 300K records pertaining to the customer and loan. We also have a target variable that specifies whether the loan was good or  default</a:t>
             </a:r>
           </a:p>
           <a:p>
             <a:r>
-              <a:rPr lang="en-US" sz="1200" kern="1200" dirty="0">
-                <a:solidFill>
-                  <a:schemeClr val="tx1"/>
-                </a:solidFill>
-                <a:effectLst/>
-                <a:latin typeface="+mn-lt"/>
-                <a:ea typeface="+mn-ea"/>
-                <a:cs typeface="+mn-cs"/>
-              </a:rPr>
+              <a:rPr lang="en-US" sz="1300" dirty="0"/>
               <a:t> </a:t>
             </a:r>
           </a:p>
           <a:p>
             <a:r>
-              <a:rPr lang="en-US" sz="1200" b="1" kern="1200" dirty="0">
-                <a:solidFill>
-                  <a:schemeClr val="tx1"/>
-                </a:solidFill>
-                <a:effectLst/>
-                <a:latin typeface="+mn-lt"/>
-                <a:ea typeface="+mn-ea"/>
-                <a:cs typeface="+mn-cs"/>
-              </a:rPr>
+              <a:rPr lang="en-US" sz="1300" b="1" dirty="0"/>
               <a:t>Why this Dataset</a:t>
             </a:r>
           </a:p>
           <a:p>
             <a:r>
-              <a:rPr lang="en-US" sz="1200" kern="1200" dirty="0">
-                <a:solidFill>
-                  <a:schemeClr val="tx1"/>
-                </a:solidFill>
-                <a:effectLst/>
-                <a:latin typeface="+mn-lt"/>
-                <a:ea typeface="+mn-ea"/>
-                <a:cs typeface="+mn-cs"/>
-              </a:rPr>
+              <a:rPr lang="en-US" sz="1300" dirty="0"/>
               <a:t> </a:t>
             </a:r>
           </a:p>
           <a:p>
             <a:r>
-              <a:rPr lang="en-US" sz="1200" kern="1200" dirty="0">
-                <a:solidFill>
-                  <a:schemeClr val="tx1"/>
-                </a:solidFill>
-                <a:effectLst/>
-                <a:latin typeface="+mn-lt"/>
-                <a:ea typeface="+mn-ea"/>
-                <a:cs typeface="+mn-cs"/>
-              </a:rPr>
+              <a:rPr lang="en-US" sz="1300" dirty="0"/>
               <a:t>The consumer lending line of business @ JPMC is in the business of lending money to customers for loans, credit cards, mortgage, etc. and a model like this which can predict potential defaults would be immensely helpful in making lending decisions. It could also be used to help JPMC identify and train their customers for credit discipline to avoid potential defaults. Since the dataset is something we could relate to and have some domain knowledge we selected it for our Capstone project</a:t>
             </a:r>
           </a:p>
           <a:p>
             <a:r>
-              <a:rPr lang="en-US" sz="1200" kern="1200" dirty="0">
-                <a:solidFill>
-                  <a:schemeClr val="tx1"/>
-                </a:solidFill>
-                <a:effectLst/>
-                <a:latin typeface="+mn-lt"/>
-                <a:ea typeface="+mn-ea"/>
-                <a:cs typeface="+mn-cs"/>
-              </a:rPr>
+              <a:rPr lang="en-US" sz="1300" dirty="0"/>
               <a:t> </a:t>
             </a:r>
           </a:p>
           <a:p>
             <a:r>
-              <a:rPr lang="en-US" sz="1200" b="1" kern="1200" dirty="0">
-                <a:solidFill>
-                  <a:schemeClr val="tx1"/>
-                </a:solidFill>
-                <a:effectLst/>
-                <a:latin typeface="+mn-lt"/>
-                <a:ea typeface="+mn-ea"/>
-                <a:cs typeface="+mn-cs"/>
-              </a:rPr>
+              <a:rPr lang="en-US" sz="1300" b="1" dirty="0"/>
               <a:t>Solution Approach</a:t>
             </a:r>
           </a:p>
           <a:p>
             <a:r>
-              <a:rPr lang="en-US" sz="1200" kern="1200" dirty="0">
-                <a:solidFill>
-                  <a:schemeClr val="tx1"/>
-                </a:solidFill>
-                <a:effectLst/>
-                <a:latin typeface="+mn-lt"/>
-                <a:ea typeface="+mn-ea"/>
-                <a:cs typeface="+mn-cs"/>
-              </a:rPr>
+              <a:rPr lang="en-US" sz="1300" dirty="0"/>
               <a:t> </a:t>
             </a:r>
           </a:p>
           <a:p>
             <a:r>
-              <a:rPr lang="en-US" sz="1200" kern="1200" dirty="0">
-                <a:solidFill>
-                  <a:schemeClr val="tx1"/>
-                </a:solidFill>
-                <a:effectLst/>
-                <a:latin typeface="+mn-lt"/>
-                <a:ea typeface="+mn-ea"/>
-                <a:cs typeface="+mn-cs"/>
-              </a:rPr>
+              <a:rPr lang="en-US" sz="1300" dirty="0"/>
               <a:t>This is a supervised classification problem since we are using existing features and target variable to first train the model on a subset of data and then evaluate the model's performance on the test data. We would pick the model that best meets the criteria of accuracy and performance. The aim is to use the data to come up with a classification model, to approve or reject the loan request by building a scalable, repeatable service to give real time approval decisions.</a:t>
             </a:r>
           </a:p>
           <a:p>
+            <a:r>
+              <a:rPr lang="en-US" dirty="0"/>
+              <a:t/>
+            </a:r>
             <a:br>
               <a:rPr lang="en-US" dirty="0"/>
             </a:br>
@@ -4118,6 +4055,7 @@
           <a:p>
             <a:fld id="{C4D7DC65-18B0-4494-A2EB-A2BDD0672859}" type="slidenum">
               <a:rPr lang="en-US" smtClean="0"/>
+              <a:pPr/>
               <a:t>3</a:t>
             </a:fld>
             <a:endParaRPr lang="en-US"/>
@@ -4127,7 +4065,7 @@
     </p:spTree>
     <p:extLst>
       <p:ext uri="{BB962C8B-B14F-4D97-AF65-F5344CB8AC3E}">
-        <p14:creationId xmlns:p14="http://schemas.microsoft.com/office/powerpoint/2010/main" val="2575569466"/>
+        <p14:creationId xmlns="" xmlns:p14="http://schemas.microsoft.com/office/powerpoint/2010/main" val="2575569466"/>
       </p:ext>
     </p:extLst>
   </p:cSld>
@@ -4166,34 +4104,20 @@
         </p:nvSpPr>
         <p:spPr>
           <a:xfrm>
-            <a:off x="914400" y="4343400"/>
-            <a:ext cx="5029200" cy="4114800"/>
+            <a:off x="975360" y="4560570"/>
+            <a:ext cx="5364480" cy="4320540"/>
           </a:xfrm>
           <a:prstGeom prst="rect">
             <a:avLst/>
           </a:prstGeom>
         </p:spPr>
         <p:txBody>
-          <a:bodyPr spcFirstLastPara="1" wrap="square" lIns="91425" tIns="45700" rIns="91425" bIns="45700" anchor="t" anchorCtr="0">
+          <a:bodyPr spcFirstLastPara="1" wrap="square" lIns="96645" tIns="48309" rIns="96645" bIns="48309" anchor="t" anchorCtr="0">
             <a:noAutofit/>
           </a:bodyPr>
           <a:lstStyle/>
           <a:p>
-            <a:pPr marL="0" marR="0" lvl="0" indent="0" algn="l" defTabSz="914400" rtl="0" eaLnBrk="1" fontAlgn="auto" latinLnBrk="0" hangingPunct="1">
-              <a:lnSpc>
-                <a:spcPct val="100000"/>
-              </a:lnSpc>
-              <a:spcBef>
-                <a:spcPts val="0"/>
-              </a:spcBef>
-              <a:spcAft>
-                <a:spcPts val="0"/>
-              </a:spcAft>
-              <a:buClrTx/>
-              <a:buSzTx/>
-              <a:buFontTx/>
-              <a:buNone/>
-              <a:tabLst/>
+            <a:pPr defTabSz="966612">
               <a:defRPr/>
             </a:pPr>
             <a:r>
@@ -4202,15 +4126,6 @@
             </a:r>
           </a:p>
           <a:p>
-            <a:pPr marL="0" lvl="0" indent="0" algn="l" rtl="0">
-              <a:spcBef>
-                <a:spcPts val="0"/>
-              </a:spcBef>
-              <a:spcAft>
-                <a:spcPts val="0"/>
-              </a:spcAft>
-              <a:buNone/>
-            </a:pPr>
             <a:endParaRPr dirty="0"/>
           </a:p>
         </p:txBody>
@@ -4227,8 +4142,8 @@
         </p:nvSpPr>
         <p:spPr>
           <a:xfrm>
-            <a:off x="381000" y="685800"/>
-            <a:ext cx="6096000" cy="3429000"/>
+            <a:off x="457200" y="720725"/>
+            <a:ext cx="6400800" cy="3600450"/>
           </a:xfrm>
           <a:custGeom>
             <a:avLst/>
@@ -4259,7 +4174,7 @@
     </p:spTree>
     <p:extLst>
       <p:ext uri="{BB962C8B-B14F-4D97-AF65-F5344CB8AC3E}">
-        <p14:creationId xmlns:p14="http://schemas.microsoft.com/office/powerpoint/2010/main" val="2189100612"/>
+        <p14:creationId xmlns="" xmlns:p14="http://schemas.microsoft.com/office/powerpoint/2010/main" val="2189100612"/>
       </p:ext>
     </p:extLst>
   </p:cSld>
@@ -4334,6 +4249,7 @@
           <a:p>
             <a:fld id="{C4D7DC65-18B0-4494-A2EB-A2BDD0672859}" type="slidenum">
               <a:rPr lang="en-US" smtClean="0"/>
+              <a:pPr/>
               <a:t>6</a:t>
             </a:fld>
             <a:endParaRPr lang="en-US"/>
@@ -4343,7 +4259,7 @@
     </p:spTree>
     <p:extLst>
       <p:ext uri="{BB962C8B-B14F-4D97-AF65-F5344CB8AC3E}">
-        <p14:creationId xmlns:p14="http://schemas.microsoft.com/office/powerpoint/2010/main" val="3412595458"/>
+        <p14:creationId xmlns="" xmlns:p14="http://schemas.microsoft.com/office/powerpoint/2010/main" val="3412595458"/>
       </p:ext>
     </p:extLst>
   </p:cSld>
@@ -4418,6 +4334,7 @@
           <a:p>
             <a:fld id="{C4D7DC65-18B0-4494-A2EB-A2BDD0672859}" type="slidenum">
               <a:rPr lang="en-US" smtClean="0"/>
+              <a:pPr/>
               <a:t>7</a:t>
             </a:fld>
             <a:endParaRPr lang="en-US"/>
@@ -4427,7 +4344,7 @@
     </p:spTree>
     <p:extLst>
       <p:ext uri="{BB962C8B-B14F-4D97-AF65-F5344CB8AC3E}">
-        <p14:creationId xmlns:p14="http://schemas.microsoft.com/office/powerpoint/2010/main" val="4214310740"/>
+        <p14:creationId xmlns="" xmlns:p14="http://schemas.microsoft.com/office/powerpoint/2010/main" val="4214310740"/>
       </p:ext>
     </p:extLst>
   </p:cSld>
@@ -4900,6 +4817,7 @@
           <a:p>
             <a:fld id="{C4D7DC65-18B0-4494-A2EB-A2BDD0672859}" type="slidenum">
               <a:rPr lang="en-US" smtClean="0"/>
+              <a:pPr/>
               <a:t>8</a:t>
             </a:fld>
             <a:endParaRPr lang="en-US"/>
@@ -4909,7 +4827,7 @@
     </p:spTree>
     <p:extLst>
       <p:ext uri="{BB962C8B-B14F-4D97-AF65-F5344CB8AC3E}">
-        <p14:creationId xmlns:p14="http://schemas.microsoft.com/office/powerpoint/2010/main" val="3796367483"/>
+        <p14:creationId xmlns="" xmlns:p14="http://schemas.microsoft.com/office/powerpoint/2010/main" val="3796367483"/>
       </p:ext>
     </p:extLst>
   </p:cSld>
@@ -5080,6 +4998,7 @@
           <a:p>
             <a:fld id="{C4D7DC65-18B0-4494-A2EB-A2BDD0672859}" type="slidenum">
               <a:rPr lang="en-US" smtClean="0"/>
+              <a:pPr/>
               <a:t>10</a:t>
             </a:fld>
             <a:endParaRPr lang="en-US"/>
@@ -5089,7 +5008,7 @@
     </p:spTree>
     <p:extLst>
       <p:ext uri="{BB962C8B-B14F-4D97-AF65-F5344CB8AC3E}">
-        <p14:creationId xmlns:p14="http://schemas.microsoft.com/office/powerpoint/2010/main" val="2080116226"/>
+        <p14:creationId xmlns="" xmlns:p14="http://schemas.microsoft.com/office/powerpoint/2010/main" val="2080116226"/>
       </p:ext>
     </p:extLst>
   </p:cSld>
@@ -5821,7 +5740,8 @@
           <a:p>
             <a:fld id="{C2B75150-69D3-484D-A7DF-580D3120A440}" type="datetimeFigureOut">
               <a:rPr lang="en-US" smtClean="0"/>
-              <a:t>7/21/2021</a:t>
+              <a:pPr/>
+              <a:t>7/26/2021</a:t>
             </a:fld>
             <a:endParaRPr lang="en-US"/>
           </a:p>
@@ -5863,6 +5783,7 @@
           <a:p>
             <a:fld id="{390E432B-595E-4F6A-92D3-438527C5D717}" type="slidenum">
               <a:rPr lang="en-US" smtClean="0"/>
+              <a:pPr/>
               <a:t>‹#›</a:t>
             </a:fld>
             <a:endParaRPr lang="en-US"/>
@@ -5872,7 +5793,7 @@
     </p:spTree>
     <p:extLst>
       <p:ext uri="{BB962C8B-B14F-4D97-AF65-F5344CB8AC3E}">
-        <p14:creationId xmlns:p14="http://schemas.microsoft.com/office/powerpoint/2010/main" val="1939503951"/>
+        <p14:creationId xmlns="" xmlns:p14="http://schemas.microsoft.com/office/powerpoint/2010/main" val="1939503951"/>
       </p:ext>
     </p:extLst>
   </p:cSld>
@@ -6072,7 +5993,8 @@
           <a:p>
             <a:fld id="{C2B75150-69D3-484D-A7DF-580D3120A440}" type="datetimeFigureOut">
               <a:rPr lang="en-US" smtClean="0"/>
-              <a:t>7/21/2021</a:t>
+              <a:pPr/>
+              <a:t>7/26/2021</a:t>
             </a:fld>
             <a:endParaRPr lang="en-US"/>
           </a:p>
@@ -6114,6 +6036,7 @@
           <a:p>
             <a:fld id="{390E432B-595E-4F6A-92D3-438527C5D717}" type="slidenum">
               <a:rPr lang="en-US" smtClean="0"/>
+              <a:pPr/>
               <a:t>‹#›</a:t>
             </a:fld>
             <a:endParaRPr lang="en-US"/>
@@ -6123,7 +6046,7 @@
     </p:spTree>
     <p:extLst>
       <p:ext uri="{BB962C8B-B14F-4D97-AF65-F5344CB8AC3E}">
-        <p14:creationId xmlns:p14="http://schemas.microsoft.com/office/powerpoint/2010/main" val="573633209"/>
+        <p14:creationId xmlns="" xmlns:p14="http://schemas.microsoft.com/office/powerpoint/2010/main" val="573633209"/>
       </p:ext>
     </p:extLst>
   </p:cSld>
@@ -6386,7 +6309,8 @@
           <a:p>
             <a:fld id="{C2B75150-69D3-484D-A7DF-580D3120A440}" type="datetimeFigureOut">
               <a:rPr lang="en-US" smtClean="0"/>
-              <a:t>7/21/2021</a:t>
+              <a:pPr/>
+              <a:t>7/26/2021</a:t>
             </a:fld>
             <a:endParaRPr lang="en-US"/>
           </a:p>
@@ -6428,6 +6352,7 @@
           <a:p>
             <a:fld id="{390E432B-595E-4F6A-92D3-438527C5D717}" type="slidenum">
               <a:rPr lang="en-US" smtClean="0"/>
+              <a:pPr/>
               <a:t>‹#›</a:t>
             </a:fld>
             <a:endParaRPr lang="en-US"/>
@@ -6527,7 +6452,7 @@
     </p:spTree>
     <p:extLst>
       <p:ext uri="{BB962C8B-B14F-4D97-AF65-F5344CB8AC3E}">
-        <p14:creationId xmlns:p14="http://schemas.microsoft.com/office/powerpoint/2010/main" val="1369299093"/>
+        <p14:creationId xmlns="" xmlns:p14="http://schemas.microsoft.com/office/powerpoint/2010/main" val="1369299093"/>
       </p:ext>
     </p:extLst>
   </p:cSld>
@@ -6727,7 +6652,8 @@
           <a:p>
             <a:fld id="{C2B75150-69D3-484D-A7DF-580D3120A440}" type="datetimeFigureOut">
               <a:rPr lang="en-US" smtClean="0"/>
-              <a:t>7/21/2021</a:t>
+              <a:pPr/>
+              <a:t>7/26/2021</a:t>
             </a:fld>
             <a:endParaRPr lang="en-US"/>
           </a:p>
@@ -6769,6 +6695,7 @@
           <a:p>
             <a:fld id="{390E432B-595E-4F6A-92D3-438527C5D717}" type="slidenum">
               <a:rPr lang="en-US" smtClean="0"/>
+              <a:pPr/>
               <a:t>‹#›</a:t>
             </a:fld>
             <a:endParaRPr lang="en-US"/>
@@ -6778,7 +6705,7 @@
     </p:spTree>
     <p:extLst>
       <p:ext uri="{BB962C8B-B14F-4D97-AF65-F5344CB8AC3E}">
-        <p14:creationId xmlns:p14="http://schemas.microsoft.com/office/powerpoint/2010/main" val="62468650"/>
+        <p14:creationId xmlns="" xmlns:p14="http://schemas.microsoft.com/office/powerpoint/2010/main" val="62468650"/>
       </p:ext>
     </p:extLst>
   </p:cSld>
@@ -7041,7 +6968,8 @@
           <a:p>
             <a:fld id="{C2B75150-69D3-484D-A7DF-580D3120A440}" type="datetimeFigureOut">
               <a:rPr lang="en-US" smtClean="0"/>
-              <a:t>7/21/2021</a:t>
+              <a:pPr/>
+              <a:t>7/26/2021</a:t>
             </a:fld>
             <a:endParaRPr lang="en-US"/>
           </a:p>
@@ -7083,6 +7011,7 @@
           <a:p>
             <a:fld id="{390E432B-595E-4F6A-92D3-438527C5D717}" type="slidenum">
               <a:rPr lang="en-US" smtClean="0"/>
+              <a:pPr/>
               <a:t>‹#›</a:t>
             </a:fld>
             <a:endParaRPr lang="en-US"/>
@@ -7174,7 +7103,7 @@
     </p:spTree>
     <p:extLst>
       <p:ext uri="{BB962C8B-B14F-4D97-AF65-F5344CB8AC3E}">
-        <p14:creationId xmlns:p14="http://schemas.microsoft.com/office/powerpoint/2010/main" val="3578699698"/>
+        <p14:creationId xmlns="" xmlns:p14="http://schemas.microsoft.com/office/powerpoint/2010/main" val="3578699698"/>
       </p:ext>
     </p:extLst>
   </p:cSld>
@@ -7434,7 +7363,8 @@
           <a:p>
             <a:fld id="{C2B75150-69D3-484D-A7DF-580D3120A440}" type="datetimeFigureOut">
               <a:rPr lang="en-US" smtClean="0"/>
-              <a:t>7/21/2021</a:t>
+              <a:pPr/>
+              <a:t>7/26/2021</a:t>
             </a:fld>
             <a:endParaRPr lang="en-US"/>
           </a:p>
@@ -7476,6 +7406,7 @@
           <a:p>
             <a:fld id="{390E432B-595E-4F6A-92D3-438527C5D717}" type="slidenum">
               <a:rPr lang="en-US" smtClean="0"/>
+              <a:pPr/>
               <a:t>‹#›</a:t>
             </a:fld>
             <a:endParaRPr lang="en-US"/>
@@ -7485,7 +7416,7 @@
     </p:spTree>
     <p:extLst>
       <p:ext uri="{BB962C8B-B14F-4D97-AF65-F5344CB8AC3E}">
-        <p14:creationId xmlns:p14="http://schemas.microsoft.com/office/powerpoint/2010/main" val="3811443513"/>
+        <p14:creationId xmlns="" xmlns:p14="http://schemas.microsoft.com/office/powerpoint/2010/main" val="3811443513"/>
       </p:ext>
     </p:extLst>
   </p:cSld>
@@ -7604,7 +7535,8 @@
           <a:p>
             <a:fld id="{C2B75150-69D3-484D-A7DF-580D3120A440}" type="datetimeFigureOut">
               <a:rPr lang="en-US" smtClean="0"/>
-              <a:t>7/21/2021</a:t>
+              <a:pPr/>
+              <a:t>7/26/2021</a:t>
             </a:fld>
             <a:endParaRPr lang="en-US"/>
           </a:p>
@@ -7646,6 +7578,7 @@
           <a:p>
             <a:fld id="{390E432B-595E-4F6A-92D3-438527C5D717}" type="slidenum">
               <a:rPr lang="en-US" smtClean="0"/>
+              <a:pPr/>
               <a:t>‹#›</a:t>
             </a:fld>
             <a:endParaRPr lang="en-US"/>
@@ -7655,7 +7588,7 @@
     </p:spTree>
     <p:extLst>
       <p:ext uri="{BB962C8B-B14F-4D97-AF65-F5344CB8AC3E}">
-        <p14:creationId xmlns:p14="http://schemas.microsoft.com/office/powerpoint/2010/main" val="3176835606"/>
+        <p14:creationId xmlns="" xmlns:p14="http://schemas.microsoft.com/office/powerpoint/2010/main" val="3176835606"/>
       </p:ext>
     </p:extLst>
   </p:cSld>
@@ -7784,7 +7717,8 @@
           <a:p>
             <a:fld id="{C2B75150-69D3-484D-A7DF-580D3120A440}" type="datetimeFigureOut">
               <a:rPr lang="en-US" smtClean="0"/>
-              <a:t>7/21/2021</a:t>
+              <a:pPr/>
+              <a:t>7/26/2021</a:t>
             </a:fld>
             <a:endParaRPr lang="en-US"/>
           </a:p>
@@ -7826,6 +7760,7 @@
           <a:p>
             <a:fld id="{390E432B-595E-4F6A-92D3-438527C5D717}" type="slidenum">
               <a:rPr lang="en-US" smtClean="0"/>
+              <a:pPr/>
               <a:t>‹#›</a:t>
             </a:fld>
             <a:endParaRPr lang="en-US"/>
@@ -7835,7 +7770,7 @@
     </p:spTree>
     <p:extLst>
       <p:ext uri="{BB962C8B-B14F-4D97-AF65-F5344CB8AC3E}">
-        <p14:creationId xmlns:p14="http://schemas.microsoft.com/office/powerpoint/2010/main" val="3719281267"/>
+        <p14:creationId xmlns="" xmlns:p14="http://schemas.microsoft.com/office/powerpoint/2010/main" val="3719281267"/>
       </p:ext>
     </p:extLst>
   </p:cSld>
@@ -8111,7 +8046,7 @@
     </p:spTree>
     <p:extLst>
       <p:ext uri="{BB962C8B-B14F-4D97-AF65-F5344CB8AC3E}">
-        <p14:creationId xmlns:p14="http://schemas.microsoft.com/office/powerpoint/2010/main" val="2549023486"/>
+        <p14:creationId xmlns="" xmlns:p14="http://schemas.microsoft.com/office/powerpoint/2010/main" val="2549023486"/>
       </p:ext>
     </p:extLst>
   </p:cSld>
@@ -8236,7 +8171,8 @@
           <a:p>
             <a:fld id="{C2B75150-69D3-484D-A7DF-580D3120A440}" type="datetimeFigureOut">
               <a:rPr lang="en-US" smtClean="0"/>
-              <a:t>7/21/2021</a:t>
+              <a:pPr/>
+              <a:t>7/26/2021</a:t>
             </a:fld>
             <a:endParaRPr lang="en-US"/>
           </a:p>
@@ -8278,6 +8214,7 @@
           <a:p>
             <a:fld id="{390E432B-595E-4F6A-92D3-438527C5D717}" type="slidenum">
               <a:rPr lang="en-US" smtClean="0"/>
+              <a:pPr/>
               <a:t>‹#›</a:t>
             </a:fld>
             <a:endParaRPr lang="en-US"/>
@@ -8287,7 +8224,7 @@
     </p:spTree>
     <p:extLst>
       <p:ext uri="{BB962C8B-B14F-4D97-AF65-F5344CB8AC3E}">
-        <p14:creationId xmlns:p14="http://schemas.microsoft.com/office/powerpoint/2010/main" val="726127473"/>
+        <p14:creationId xmlns="" xmlns:p14="http://schemas.microsoft.com/office/powerpoint/2010/main" val="726127473"/>
       </p:ext>
     </p:extLst>
   </p:cSld>
@@ -8483,7 +8420,8 @@
           <a:p>
             <a:fld id="{C2B75150-69D3-484D-A7DF-580D3120A440}" type="datetimeFigureOut">
               <a:rPr lang="en-US" smtClean="0"/>
-              <a:t>7/21/2021</a:t>
+              <a:pPr/>
+              <a:t>7/26/2021</a:t>
             </a:fld>
             <a:endParaRPr lang="en-US"/>
           </a:p>
@@ -8525,6 +8463,7 @@
           <a:p>
             <a:fld id="{390E432B-595E-4F6A-92D3-438527C5D717}" type="slidenum">
               <a:rPr lang="en-US" smtClean="0"/>
+              <a:pPr/>
               <a:t>‹#›</a:t>
             </a:fld>
             <a:endParaRPr lang="en-US"/>
@@ -8534,7 +8473,7 @@
     </p:spTree>
     <p:extLst>
       <p:ext uri="{BB962C8B-B14F-4D97-AF65-F5344CB8AC3E}">
-        <p14:creationId xmlns:p14="http://schemas.microsoft.com/office/powerpoint/2010/main" val="3177185813"/>
+        <p14:creationId xmlns="" xmlns:p14="http://schemas.microsoft.com/office/powerpoint/2010/main" val="3177185813"/>
       </p:ext>
     </p:extLst>
   </p:cSld>
@@ -8715,7 +8654,8 @@
           <a:p>
             <a:fld id="{C2B75150-69D3-484D-A7DF-580D3120A440}" type="datetimeFigureOut">
               <a:rPr lang="en-US" smtClean="0"/>
-              <a:t>7/21/2021</a:t>
+              <a:pPr/>
+              <a:t>7/26/2021</a:t>
             </a:fld>
             <a:endParaRPr lang="en-US"/>
           </a:p>
@@ -8757,6 +8697,7 @@
           <a:p>
             <a:fld id="{390E432B-595E-4F6A-92D3-438527C5D717}" type="slidenum">
               <a:rPr lang="en-US" smtClean="0"/>
+              <a:pPr/>
               <a:t>‹#›</a:t>
             </a:fld>
             <a:endParaRPr lang="en-US"/>
@@ -8766,7 +8707,7 @@
     </p:spTree>
     <p:extLst>
       <p:ext uri="{BB962C8B-B14F-4D97-AF65-F5344CB8AC3E}">
-        <p14:creationId xmlns:p14="http://schemas.microsoft.com/office/powerpoint/2010/main" val="1238437764"/>
+        <p14:creationId xmlns="" xmlns:p14="http://schemas.microsoft.com/office/powerpoint/2010/main" val="1238437764"/>
       </p:ext>
     </p:extLst>
   </p:cSld>
@@ -9089,7 +9030,8 @@
           <a:p>
             <a:fld id="{C2B75150-69D3-484D-A7DF-580D3120A440}" type="datetimeFigureOut">
               <a:rPr lang="en-US" smtClean="0"/>
-              <a:t>7/21/2021</a:t>
+              <a:pPr/>
+              <a:t>7/26/2021</a:t>
             </a:fld>
             <a:endParaRPr lang="en-US"/>
           </a:p>
@@ -9131,6 +9073,7 @@
           <a:p>
             <a:fld id="{390E432B-595E-4F6A-92D3-438527C5D717}" type="slidenum">
               <a:rPr lang="en-US" smtClean="0"/>
+              <a:pPr/>
               <a:t>‹#›</a:t>
             </a:fld>
             <a:endParaRPr lang="en-US"/>
@@ -9140,7 +9083,7 @@
     </p:spTree>
     <p:extLst>
       <p:ext uri="{BB962C8B-B14F-4D97-AF65-F5344CB8AC3E}">
-        <p14:creationId xmlns:p14="http://schemas.microsoft.com/office/powerpoint/2010/main" val="1465656484"/>
+        <p14:creationId xmlns="" xmlns:p14="http://schemas.microsoft.com/office/powerpoint/2010/main" val="1465656484"/>
       </p:ext>
     </p:extLst>
   </p:cSld>
@@ -9212,7 +9155,8 @@
           <a:p>
             <a:fld id="{C2B75150-69D3-484D-A7DF-580D3120A440}" type="datetimeFigureOut">
               <a:rPr lang="en-US" smtClean="0"/>
-              <a:t>7/21/2021</a:t>
+              <a:pPr/>
+              <a:t>7/26/2021</a:t>
             </a:fld>
             <a:endParaRPr lang="en-US"/>
           </a:p>
@@ -9254,6 +9198,7 @@
           <a:p>
             <a:fld id="{390E432B-595E-4F6A-92D3-438527C5D717}" type="slidenum">
               <a:rPr lang="en-US" smtClean="0"/>
+              <a:pPr/>
               <a:t>‹#›</a:t>
             </a:fld>
             <a:endParaRPr lang="en-US"/>
@@ -9263,7 +9208,7 @@
     </p:spTree>
     <p:extLst>
       <p:ext uri="{BB962C8B-B14F-4D97-AF65-F5344CB8AC3E}">
-        <p14:creationId xmlns:p14="http://schemas.microsoft.com/office/powerpoint/2010/main" val="297507318"/>
+        <p14:creationId xmlns="" xmlns:p14="http://schemas.microsoft.com/office/powerpoint/2010/main" val="297507318"/>
       </p:ext>
     </p:extLst>
   </p:cSld>
@@ -9307,7 +9252,8 @@
           <a:p>
             <a:fld id="{C2B75150-69D3-484D-A7DF-580D3120A440}" type="datetimeFigureOut">
               <a:rPr lang="en-US" smtClean="0"/>
-              <a:t>7/21/2021</a:t>
+              <a:pPr/>
+              <a:t>7/26/2021</a:t>
             </a:fld>
             <a:endParaRPr lang="en-US"/>
           </a:p>
@@ -9349,6 +9295,7 @@
           <a:p>
             <a:fld id="{390E432B-595E-4F6A-92D3-438527C5D717}" type="slidenum">
               <a:rPr lang="en-US" smtClean="0"/>
+              <a:pPr/>
               <a:t>‹#›</a:t>
             </a:fld>
             <a:endParaRPr lang="en-US"/>
@@ -9358,7 +9305,7 @@
     </p:spTree>
     <p:extLst>
       <p:ext uri="{BB962C8B-B14F-4D97-AF65-F5344CB8AC3E}">
-        <p14:creationId xmlns:p14="http://schemas.microsoft.com/office/powerpoint/2010/main" val="710259361"/>
+        <p14:creationId xmlns="" xmlns:p14="http://schemas.microsoft.com/office/powerpoint/2010/main" val="710259361"/>
       </p:ext>
     </p:extLst>
   </p:cSld>
@@ -9562,7 +9509,8 @@
           <a:p>
             <a:fld id="{C2B75150-69D3-484D-A7DF-580D3120A440}" type="datetimeFigureOut">
               <a:rPr lang="en-US" smtClean="0"/>
-              <a:t>7/21/2021</a:t>
+              <a:pPr/>
+              <a:t>7/26/2021</a:t>
             </a:fld>
             <a:endParaRPr lang="en-US"/>
           </a:p>
@@ -9604,6 +9552,7 @@
           <a:p>
             <a:fld id="{390E432B-595E-4F6A-92D3-438527C5D717}" type="slidenum">
               <a:rPr lang="en-US" smtClean="0"/>
+              <a:pPr/>
               <a:t>‹#›</a:t>
             </a:fld>
             <a:endParaRPr lang="en-US"/>
@@ -9613,7 +9562,7 @@
     </p:spTree>
     <p:extLst>
       <p:ext uri="{BB962C8B-B14F-4D97-AF65-F5344CB8AC3E}">
-        <p14:creationId xmlns:p14="http://schemas.microsoft.com/office/powerpoint/2010/main" val="3295369781"/>
+        <p14:creationId xmlns="" xmlns:p14="http://schemas.microsoft.com/office/powerpoint/2010/main" val="3295369781"/>
       </p:ext>
     </p:extLst>
   </p:cSld>
@@ -9825,7 +9774,8 @@
           <a:p>
             <a:fld id="{C2B75150-69D3-484D-A7DF-580D3120A440}" type="datetimeFigureOut">
               <a:rPr lang="en-US" smtClean="0"/>
-              <a:t>7/21/2021</a:t>
+              <a:pPr/>
+              <a:t>7/26/2021</a:t>
             </a:fld>
             <a:endParaRPr lang="en-US"/>
           </a:p>
@@ -9867,6 +9817,7 @@
           <a:p>
             <a:fld id="{390E432B-595E-4F6A-92D3-438527C5D717}" type="slidenum">
               <a:rPr lang="en-US" smtClean="0"/>
+              <a:pPr/>
               <a:t>‹#›</a:t>
             </a:fld>
             <a:endParaRPr lang="en-US"/>
@@ -9876,7 +9827,7 @@
     </p:spTree>
     <p:extLst>
       <p:ext uri="{BB962C8B-B14F-4D97-AF65-F5344CB8AC3E}">
-        <p14:creationId xmlns:p14="http://schemas.microsoft.com/office/powerpoint/2010/main" val="1330526510"/>
+        <p14:creationId xmlns="" xmlns:p14="http://schemas.microsoft.com/office/powerpoint/2010/main" val="1330526510"/>
       </p:ext>
     </p:extLst>
   </p:cSld>
@@ -10568,7 +10519,8 @@
           <a:p>
             <a:fld id="{C2B75150-69D3-484D-A7DF-580D3120A440}" type="datetimeFigureOut">
               <a:rPr lang="en-US" smtClean="0"/>
-              <a:t>7/21/2021</a:t>
+              <a:pPr/>
+              <a:t>7/26/2021</a:t>
             </a:fld>
             <a:endParaRPr lang="en-US"/>
           </a:p>
@@ -10644,6 +10596,7 @@
           <a:p>
             <a:fld id="{390E432B-595E-4F6A-92D3-438527C5D717}" type="slidenum">
               <a:rPr lang="en-US" smtClean="0"/>
+              <a:pPr/>
               <a:t>‹#›</a:t>
             </a:fld>
             <a:endParaRPr lang="en-US"/>
@@ -10653,7 +10606,7 @@
     </p:spTree>
     <p:extLst>
       <p:ext uri="{BB962C8B-B14F-4D97-AF65-F5344CB8AC3E}">
-        <p14:creationId xmlns:p14="http://schemas.microsoft.com/office/powerpoint/2010/main" val="1745404407"/>
+        <p14:creationId xmlns="" xmlns:p14="http://schemas.microsoft.com/office/powerpoint/2010/main" val="1745404407"/>
       </p:ext>
     </p:extLst>
   </p:cSld>
@@ -11098,7 +11051,7 @@
           <p:cNvPr id="2" name="Title 1">
             <a:extLst>
               <a:ext uri="{FF2B5EF4-FFF2-40B4-BE49-F238E27FC236}">
-                <a16:creationId xmlns:a16="http://schemas.microsoft.com/office/drawing/2014/main" id="{C682F6AE-B576-435B-9BAC-BC1F1A5A6266}"/>
+                <a16:creationId xmlns="" xmlns:a16="http://schemas.microsoft.com/office/drawing/2014/main" id="{C682F6AE-B576-435B-9BAC-BC1F1A5A6266}"/>
               </a:ext>
             </a:extLst>
           </p:cNvPr>
@@ -11126,7 +11079,7 @@
           <p:cNvPr id="3" name="Subtitle 2">
             <a:extLst>
               <a:ext uri="{FF2B5EF4-FFF2-40B4-BE49-F238E27FC236}">
-                <a16:creationId xmlns:a16="http://schemas.microsoft.com/office/drawing/2014/main" id="{49BFF355-B2DE-40EE-87B4-3C327B8AB6DF}"/>
+                <a16:creationId xmlns="" xmlns:a16="http://schemas.microsoft.com/office/drawing/2014/main" id="{49BFF355-B2DE-40EE-87B4-3C327B8AB6DF}"/>
               </a:ext>
             </a:extLst>
           </p:cNvPr>
@@ -11188,7 +11141,7 @@
     </p:spTree>
     <p:extLst>
       <p:ext uri="{BB962C8B-B14F-4D97-AF65-F5344CB8AC3E}">
-        <p14:creationId xmlns:p14="http://schemas.microsoft.com/office/powerpoint/2010/main" val="4287278346"/>
+        <p14:creationId xmlns="" xmlns:p14="http://schemas.microsoft.com/office/powerpoint/2010/main" val="4287278346"/>
       </p:ext>
     </p:extLst>
   </p:cSld>
@@ -11220,7 +11173,7 @@
           <p:cNvPr id="2" name="Title 1">
             <a:extLst>
               <a:ext uri="{FF2B5EF4-FFF2-40B4-BE49-F238E27FC236}">
-                <a16:creationId xmlns:a16="http://schemas.microsoft.com/office/drawing/2014/main" id="{D162E374-069D-47FA-B3F3-1B51EA78C60D}"/>
+                <a16:creationId xmlns="" xmlns:a16="http://schemas.microsoft.com/office/drawing/2014/main" id="{D162E374-069D-47FA-B3F3-1B51EA78C60D}"/>
               </a:ext>
             </a:extLst>
           </p:cNvPr>
@@ -11248,7 +11201,7 @@
           <p:cNvPr id="4" name="Picture 3">
             <a:extLst>
               <a:ext uri="{FF2B5EF4-FFF2-40B4-BE49-F238E27FC236}">
-                <a16:creationId xmlns:a16="http://schemas.microsoft.com/office/drawing/2014/main" id="{6B613A99-25FA-451A-8740-CC6AE03DE72E}"/>
+                <a16:creationId xmlns="" xmlns:a16="http://schemas.microsoft.com/office/drawing/2014/main" id="{6B613A99-25FA-451A-8740-CC6AE03DE72E}"/>
               </a:ext>
             </a:extLst>
           </p:cNvPr>
@@ -11276,7 +11229,7 @@
     </p:spTree>
     <p:extLst>
       <p:ext uri="{BB962C8B-B14F-4D97-AF65-F5344CB8AC3E}">
-        <p14:creationId xmlns:p14="http://schemas.microsoft.com/office/powerpoint/2010/main" val="1793820394"/>
+        <p14:creationId xmlns="" xmlns:p14="http://schemas.microsoft.com/office/powerpoint/2010/main" val="1793820394"/>
       </p:ext>
     </p:extLst>
   </p:cSld>
@@ -11308,7 +11261,7 @@
           <p:cNvPr id="2" name="Title 1">
             <a:extLst>
               <a:ext uri="{FF2B5EF4-FFF2-40B4-BE49-F238E27FC236}">
-                <a16:creationId xmlns:a16="http://schemas.microsoft.com/office/drawing/2014/main" id="{5B79EF67-FD6D-4F16-B2E1-BECA23FE65E3}"/>
+                <a16:creationId xmlns="" xmlns:a16="http://schemas.microsoft.com/office/drawing/2014/main" id="{5B79EF67-FD6D-4F16-B2E1-BECA23FE65E3}"/>
               </a:ext>
             </a:extLst>
           </p:cNvPr>
@@ -11343,7 +11296,7 @@
           <p:cNvPr id="5" name="Diagram 4">
             <a:extLst>
               <a:ext uri="{FF2B5EF4-FFF2-40B4-BE49-F238E27FC236}">
-                <a16:creationId xmlns:a16="http://schemas.microsoft.com/office/drawing/2014/main" id="{2B75E376-F07A-454C-BB39-D880CD7F8535}"/>
+                <a16:creationId xmlns="" xmlns:a16="http://schemas.microsoft.com/office/drawing/2014/main" id="{2B75E376-F07A-454C-BB39-D880CD7F8535}"/>
               </a:ext>
             </a:extLst>
           </p:cNvPr>
@@ -11351,7 +11304,7 @@
           <p:nvPr>
             <p:extLst>
               <p:ext uri="{D42A27DB-BD31-4B8C-83A1-F6EECF244321}">
-                <p14:modId xmlns:p14="http://schemas.microsoft.com/office/powerpoint/2010/main" val="2306079074"/>
+                <p14:modId xmlns="" xmlns:p14="http://schemas.microsoft.com/office/powerpoint/2010/main" val="2306079074"/>
               </p:ext>
             </p:extLst>
           </p:nvPr>
@@ -11371,7 +11324,7 @@
           <p:cNvPr id="3" name="TextBox 2">
             <a:extLst>
               <a:ext uri="{FF2B5EF4-FFF2-40B4-BE49-F238E27FC236}">
-                <a16:creationId xmlns:a16="http://schemas.microsoft.com/office/drawing/2014/main" id="{4E53914E-8996-4AE7-9211-989A9328BADE}"/>
+                <a16:creationId xmlns="" xmlns:a16="http://schemas.microsoft.com/office/drawing/2014/main" id="{4E53914E-8996-4AE7-9211-989A9328BADE}"/>
               </a:ext>
             </a:extLst>
           </p:cNvPr>
@@ -11421,7 +11374,7 @@
           <p:cNvPr id="4" name="TextBox 3">
             <a:extLst>
               <a:ext uri="{FF2B5EF4-FFF2-40B4-BE49-F238E27FC236}">
-                <a16:creationId xmlns:a16="http://schemas.microsoft.com/office/drawing/2014/main" id="{B56EF88B-8E92-4317-9129-AAC7443705CD}"/>
+                <a16:creationId xmlns="" xmlns:a16="http://schemas.microsoft.com/office/drawing/2014/main" id="{B56EF88B-8E92-4317-9129-AAC7443705CD}"/>
               </a:ext>
             </a:extLst>
           </p:cNvPr>
@@ -11468,7 +11421,7 @@
           <p:cNvPr id="7" name="Picture 6">
             <a:extLst>
               <a:ext uri="{FF2B5EF4-FFF2-40B4-BE49-F238E27FC236}">
-                <a16:creationId xmlns:a16="http://schemas.microsoft.com/office/drawing/2014/main" id="{D5F349B5-6D61-4D34-A80B-1792A6BB7B4F}"/>
+                <a16:creationId xmlns="" xmlns:a16="http://schemas.microsoft.com/office/drawing/2014/main" id="{D5F349B5-6D61-4D34-A80B-1792A6BB7B4F}"/>
               </a:ext>
             </a:extLst>
           </p:cNvPr>
@@ -11478,10 +11431,10 @@
           <p:nvPr/>
         </p:nvPicPr>
         <p:blipFill>
-          <a:blip r:embed="rId7">
+          <a:blip r:embed="rId6">
             <a:extLst>
               <a:ext uri="{28A0092B-C50C-407E-A947-70E740481C1C}">
-                <a14:useLocalDpi xmlns:a14="http://schemas.microsoft.com/office/drawing/2010/main" val="0"/>
+                <a14:useLocalDpi xmlns="" xmlns:a14="http://schemas.microsoft.com/office/drawing/2010/main" val="0"/>
               </a:ext>
             </a:extLst>
           </a:blip>
@@ -11502,7 +11455,7 @@
     </p:spTree>
     <p:extLst>
       <p:ext uri="{BB962C8B-B14F-4D97-AF65-F5344CB8AC3E}">
-        <p14:creationId xmlns:p14="http://schemas.microsoft.com/office/powerpoint/2010/main" val="978610413"/>
+        <p14:creationId xmlns="" xmlns:p14="http://schemas.microsoft.com/office/powerpoint/2010/main" val="978610413"/>
       </p:ext>
     </p:extLst>
   </p:cSld>
@@ -11534,7 +11487,7 @@
           <p:cNvPr id="2" name="Title 1">
             <a:extLst>
               <a:ext uri="{FF2B5EF4-FFF2-40B4-BE49-F238E27FC236}">
-                <a16:creationId xmlns:a16="http://schemas.microsoft.com/office/drawing/2014/main" id="{69153BB0-BB4B-497C-98BA-CFA7B413E72F}"/>
+                <a16:creationId xmlns="" xmlns:a16="http://schemas.microsoft.com/office/drawing/2014/main" id="{69153BB0-BB4B-497C-98BA-CFA7B413E72F}"/>
               </a:ext>
             </a:extLst>
           </p:cNvPr>
@@ -11564,7 +11517,7 @@
           <p:cNvPr id="3" name="Content Placeholder 2">
             <a:extLst>
               <a:ext uri="{FF2B5EF4-FFF2-40B4-BE49-F238E27FC236}">
-                <a16:creationId xmlns:a16="http://schemas.microsoft.com/office/drawing/2014/main" id="{A77D4DD7-8274-4E7E-B774-F2AFD1F4572F}"/>
+                <a16:creationId xmlns="" xmlns:a16="http://schemas.microsoft.com/office/drawing/2014/main" id="{A77D4DD7-8274-4E7E-B774-F2AFD1F4572F}"/>
               </a:ext>
             </a:extLst>
           </p:cNvPr>
@@ -11609,7 +11562,7 @@
           <p:cNvPr id="4" name="Title 1">
             <a:extLst>
               <a:ext uri="{FF2B5EF4-FFF2-40B4-BE49-F238E27FC236}">
-                <a16:creationId xmlns:a16="http://schemas.microsoft.com/office/drawing/2014/main" id="{CD325181-CFE1-43DF-95E8-A8E2D3926891}"/>
+                <a16:creationId xmlns="" xmlns:a16="http://schemas.microsoft.com/office/drawing/2014/main" id="{CD325181-CFE1-43DF-95E8-A8E2D3926891}"/>
               </a:ext>
             </a:extLst>
           </p:cNvPr>
@@ -11716,7 +11669,7 @@
           <p:cNvPr id="5" name="Content Placeholder 2">
             <a:extLst>
               <a:ext uri="{FF2B5EF4-FFF2-40B4-BE49-F238E27FC236}">
-                <a16:creationId xmlns:a16="http://schemas.microsoft.com/office/drawing/2014/main" id="{F2BCCEA6-E26D-44C3-84AB-E87BA41413DD}"/>
+                <a16:creationId xmlns="" xmlns:a16="http://schemas.microsoft.com/office/drawing/2014/main" id="{F2BCCEA6-E26D-44C3-84AB-E87BA41413DD}"/>
               </a:ext>
             </a:extLst>
           </p:cNvPr>
@@ -11988,7 +11941,7 @@
     </p:spTree>
     <p:extLst>
       <p:ext uri="{BB962C8B-B14F-4D97-AF65-F5344CB8AC3E}">
-        <p14:creationId xmlns:p14="http://schemas.microsoft.com/office/powerpoint/2010/main" val="1932620333"/>
+        <p14:creationId xmlns="" xmlns:p14="http://schemas.microsoft.com/office/powerpoint/2010/main" val="1932620333"/>
       </p:ext>
     </p:extLst>
   </p:cSld>
@@ -12494,7 +12447,7 @@
           <p:nvPr/>
         </p:nvPicPr>
         <p:blipFill rotWithShape="1">
-          <a:blip r:embed="rId3">
+          <a:blip r:embed="rId3" cstate="print">
             <a:alphaModFix/>
           </a:blip>
           <a:srcRect/>
@@ -13024,7 +12977,7 @@
           <p:nvPr/>
         </p:nvPicPr>
         <p:blipFill rotWithShape="1">
-          <a:blip r:embed="rId4">
+          <a:blip r:embed="rId4" cstate="print">
             <a:alphaModFix/>
           </a:blip>
           <a:srcRect/>
@@ -13064,7 +13017,7 @@
           <p:nvPr/>
         </p:nvPicPr>
         <p:blipFill rotWithShape="1">
-          <a:blip r:embed="rId5">
+          <a:blip r:embed="rId5" cstate="print">
             <a:alphaModFix/>
           </a:blip>
           <a:srcRect/>
@@ -13104,7 +13057,7 @@
           <p:nvPr/>
         </p:nvPicPr>
         <p:blipFill rotWithShape="1">
-          <a:blip r:embed="rId6">
+          <a:blip r:embed="rId6" cstate="print">
             <a:alphaModFix/>
           </a:blip>
           <a:srcRect/>
@@ -13682,7 +13635,7 @@
                 <a:buSzPts val="2400"/>
               </a:pPr>
               <a:r>
-                <a:rPr lang="en-US" sz="1687" b="1" dirty="0">
+                <a:rPr lang="en-US" sz="1687" b="1" dirty="0" smtClean="0">
                   <a:solidFill>
                     <a:srgbClr val="FFFFFF"/>
                   </a:solidFill>
@@ -13691,7 +13644,7 @@
                   <a:cs typeface="Helvetica Neue"/>
                   <a:sym typeface="Helvetica Neue"/>
                 </a:rPr>
-                <a:t>Hyper Parameter tuning</a:t>
+                <a:t>Feedback</a:t>
               </a:r>
               <a:endParaRPr sz="1266" dirty="0"/>
             </a:p>
@@ -14123,53 +14076,14 @@
               <a:buSzPts val="1600"/>
             </a:pPr>
             <a:r>
-              <a:rPr lang="en-US" sz="1100" dirty="0">
+              <a:rPr lang="en-US" sz="1100" dirty="0" smtClean="0">
                 <a:sym typeface="Helvetica Neue"/>
               </a:rPr>
-              <a:t>With best results from:</a:t>
-            </a:r>
-          </a:p>
-          <a:p>
-            <a:pPr>
-              <a:buClr>
-                <a:srgbClr val="000000"/>
-              </a:buClr>
-              <a:buSzPts val="1600"/>
-            </a:pPr>
-            <a:r>
-              <a:rPr lang="en-US" sz="1100" dirty="0">
-                <a:sym typeface="Helvetica Neue"/>
-              </a:rPr>
-              <a:t>Constant: 1.0</a:t>
-            </a:r>
-          </a:p>
-          <a:p>
-            <a:pPr>
-              <a:buClr>
-                <a:srgbClr val="000000"/>
-              </a:buClr>
-              <a:buSzPts val="1600"/>
-            </a:pPr>
-            <a:r>
-              <a:rPr lang="en-US" sz="1100" dirty="0">
-                <a:sym typeface="Helvetica Neue"/>
-              </a:rPr>
-              <a:t>Penalty: none</a:t>
-            </a:r>
-          </a:p>
-          <a:p>
-            <a:pPr>
-              <a:buClr>
-                <a:srgbClr val="000000"/>
-              </a:buClr>
-              <a:buSzPts val="1600"/>
-            </a:pPr>
-            <a:r>
-              <a:rPr lang="en-US" sz="1100" dirty="0">
-                <a:sym typeface="Helvetica Neue"/>
-              </a:rPr>
-              <a:t>Solver: sag</a:t>
-            </a:r>
+              <a:t>Create an automated trigger or periodic review to evaluate the deployed model for tuning/refresh based on performance of the model on real data after implementation</a:t>
+            </a:r>
+            <a:endParaRPr lang="en-US" sz="1100" dirty="0">
+              <a:sym typeface="Helvetica Neue"/>
+            </a:endParaRPr>
           </a:p>
         </p:txBody>
       </p:sp>
@@ -14370,7 +14284,7 @@
     </p:spTree>
     <p:extLst>
       <p:ext uri="{BB962C8B-B14F-4D97-AF65-F5344CB8AC3E}">
-        <p14:creationId xmlns:p14="http://schemas.microsoft.com/office/powerpoint/2010/main" val="1071093776"/>
+        <p14:creationId xmlns="" xmlns:p14="http://schemas.microsoft.com/office/powerpoint/2010/main" val="1071093776"/>
       </p:ext>
     </p:extLst>
   </p:cSld>
@@ -14402,7 +14316,7 @@
           <p:cNvPr id="2" name="Title 1">
             <a:extLst>
               <a:ext uri="{FF2B5EF4-FFF2-40B4-BE49-F238E27FC236}">
-                <a16:creationId xmlns:a16="http://schemas.microsoft.com/office/drawing/2014/main" id="{5A7FCCCD-8861-4484-A196-50501709AA39}"/>
+                <a16:creationId xmlns="" xmlns:a16="http://schemas.microsoft.com/office/drawing/2014/main" id="{5A7FCCCD-8861-4484-A196-50501709AA39}"/>
               </a:ext>
             </a:extLst>
           </p:cNvPr>
@@ -14432,7 +14346,7 @@
           <p:cNvPr id="3" name="Content Placeholder 2">
             <a:extLst>
               <a:ext uri="{FF2B5EF4-FFF2-40B4-BE49-F238E27FC236}">
-                <a16:creationId xmlns:a16="http://schemas.microsoft.com/office/drawing/2014/main" id="{09AD7496-36DE-4A60-8C12-64EEFA4D29D6}"/>
+                <a16:creationId xmlns="" xmlns:a16="http://schemas.microsoft.com/office/drawing/2014/main" id="{09AD7496-36DE-4A60-8C12-64EEFA4D29D6}"/>
               </a:ext>
             </a:extLst>
           </p:cNvPr>
@@ -14489,7 +14403,7 @@
     </p:spTree>
     <p:extLst>
       <p:ext uri="{BB962C8B-B14F-4D97-AF65-F5344CB8AC3E}">
-        <p14:creationId xmlns:p14="http://schemas.microsoft.com/office/powerpoint/2010/main" val="1795880387"/>
+        <p14:creationId xmlns="" xmlns:p14="http://schemas.microsoft.com/office/powerpoint/2010/main" val="1795880387"/>
       </p:ext>
     </p:extLst>
   </p:cSld>
@@ -14521,7 +14435,7 @@
           <p:cNvPr id="2" name="Title 1">
             <a:extLst>
               <a:ext uri="{FF2B5EF4-FFF2-40B4-BE49-F238E27FC236}">
-                <a16:creationId xmlns:a16="http://schemas.microsoft.com/office/drawing/2014/main" id="{7BCF712F-654C-41D1-BC3F-851F33BC6A7A}"/>
+                <a16:creationId xmlns="" xmlns:a16="http://schemas.microsoft.com/office/drawing/2014/main" id="{7BCF712F-654C-41D1-BC3F-851F33BC6A7A}"/>
               </a:ext>
             </a:extLst>
           </p:cNvPr>
@@ -14551,7 +14465,7 @@
           <p:cNvPr id="3" name="Table 2">
             <a:extLst>
               <a:ext uri="{FF2B5EF4-FFF2-40B4-BE49-F238E27FC236}">
-                <a16:creationId xmlns:a16="http://schemas.microsoft.com/office/drawing/2014/main" id="{58CAFB1A-AE41-4E9A-9506-0F9F57C06025}"/>
+                <a16:creationId xmlns="" xmlns:a16="http://schemas.microsoft.com/office/drawing/2014/main" id="{58CAFB1A-AE41-4E9A-9506-0F9F57C06025}"/>
               </a:ext>
             </a:extLst>
           </p:cNvPr>
@@ -14561,7 +14475,7 @@
           <p:nvPr>
             <p:extLst>
               <p:ext uri="{D42A27DB-BD31-4B8C-83A1-F6EECF244321}">
-                <p14:modId xmlns:p14="http://schemas.microsoft.com/office/powerpoint/2010/main" val="1207589094"/>
+                <p14:modId xmlns="" xmlns:p14="http://schemas.microsoft.com/office/powerpoint/2010/main" val="1207589094"/>
               </p:ext>
             </p:extLst>
           </p:nvPr>
@@ -14580,21 +14494,21 @@
                 <a:gridCol w="2397652">
                   <a:extLst>
                     <a:ext uri="{9D8B030D-6E8A-4147-A177-3AD203B41FA5}">
-                      <a16:colId xmlns:a16="http://schemas.microsoft.com/office/drawing/2014/main" val="208429501"/>
+                      <a16:colId xmlns="" xmlns:a16="http://schemas.microsoft.com/office/drawing/2014/main" val="208429501"/>
                     </a:ext>
                   </a:extLst>
                 </a:gridCol>
                 <a:gridCol w="5174594">
                   <a:extLst>
                     <a:ext uri="{9D8B030D-6E8A-4147-A177-3AD203B41FA5}">
-                      <a16:colId xmlns:a16="http://schemas.microsoft.com/office/drawing/2014/main" val="2963046758"/>
+                      <a16:colId xmlns="" xmlns:a16="http://schemas.microsoft.com/office/drawing/2014/main" val="2963046758"/>
                     </a:ext>
                   </a:extLst>
                 </a:gridCol>
                 <a:gridCol w="866948">
                   <a:extLst>
                     <a:ext uri="{9D8B030D-6E8A-4147-A177-3AD203B41FA5}">
-                      <a16:colId xmlns:a16="http://schemas.microsoft.com/office/drawing/2014/main" val="2404702763"/>
+                      <a16:colId xmlns="" xmlns:a16="http://schemas.microsoft.com/office/drawing/2014/main" val="2404702763"/>
                     </a:ext>
                   </a:extLst>
                 </a:gridCol>
@@ -14671,7 +14585,7 @@
                 </a:tc>
                 <a:extLst>
                   <a:ext uri="{0D108BD9-81ED-4DB2-BD59-A6C34878D82A}">
-                    <a16:rowId xmlns:a16="http://schemas.microsoft.com/office/drawing/2014/main" val="214854341"/>
+                    <a16:rowId xmlns="" xmlns:a16="http://schemas.microsoft.com/office/drawing/2014/main" val="214854341"/>
                   </a:ext>
                 </a:extLst>
               </a:tr>
@@ -14747,7 +14661,7 @@
                 </a:tc>
                 <a:extLst>
                   <a:ext uri="{0D108BD9-81ED-4DB2-BD59-A6C34878D82A}">
-                    <a16:rowId xmlns:a16="http://schemas.microsoft.com/office/drawing/2014/main" val="1473116331"/>
+                    <a16:rowId xmlns="" xmlns:a16="http://schemas.microsoft.com/office/drawing/2014/main" val="1473116331"/>
                   </a:ext>
                 </a:extLst>
               </a:tr>
@@ -14823,7 +14737,7 @@
                 </a:tc>
                 <a:extLst>
                   <a:ext uri="{0D108BD9-81ED-4DB2-BD59-A6C34878D82A}">
-                    <a16:rowId xmlns:a16="http://schemas.microsoft.com/office/drawing/2014/main" val="2694046347"/>
+                    <a16:rowId xmlns="" xmlns:a16="http://schemas.microsoft.com/office/drawing/2014/main" val="2694046347"/>
                   </a:ext>
                 </a:extLst>
               </a:tr>
@@ -14899,7 +14813,7 @@
                 </a:tc>
                 <a:extLst>
                   <a:ext uri="{0D108BD9-81ED-4DB2-BD59-A6C34878D82A}">
-                    <a16:rowId xmlns:a16="http://schemas.microsoft.com/office/drawing/2014/main" val="735176549"/>
+                    <a16:rowId xmlns="" xmlns:a16="http://schemas.microsoft.com/office/drawing/2014/main" val="735176549"/>
                   </a:ext>
                 </a:extLst>
               </a:tr>
@@ -14975,7 +14889,7 @@
                 </a:tc>
                 <a:extLst>
                   <a:ext uri="{0D108BD9-81ED-4DB2-BD59-A6C34878D82A}">
-                    <a16:rowId xmlns:a16="http://schemas.microsoft.com/office/drawing/2014/main" val="4172613969"/>
+                    <a16:rowId xmlns="" xmlns:a16="http://schemas.microsoft.com/office/drawing/2014/main" val="4172613969"/>
                   </a:ext>
                 </a:extLst>
               </a:tr>
@@ -15051,7 +14965,7 @@
                 </a:tc>
                 <a:extLst>
                   <a:ext uri="{0D108BD9-81ED-4DB2-BD59-A6C34878D82A}">
-                    <a16:rowId xmlns:a16="http://schemas.microsoft.com/office/drawing/2014/main" val="2151548501"/>
+                    <a16:rowId xmlns="" xmlns:a16="http://schemas.microsoft.com/office/drawing/2014/main" val="2151548501"/>
                   </a:ext>
                 </a:extLst>
               </a:tr>
@@ -15127,7 +15041,7 @@
                 </a:tc>
                 <a:extLst>
                   <a:ext uri="{0D108BD9-81ED-4DB2-BD59-A6C34878D82A}">
-                    <a16:rowId xmlns:a16="http://schemas.microsoft.com/office/drawing/2014/main" val="2163181630"/>
+                    <a16:rowId xmlns="" xmlns:a16="http://schemas.microsoft.com/office/drawing/2014/main" val="2163181630"/>
                   </a:ext>
                 </a:extLst>
               </a:tr>
@@ -15203,7 +15117,7 @@
                 </a:tc>
                 <a:extLst>
                   <a:ext uri="{0D108BD9-81ED-4DB2-BD59-A6C34878D82A}">
-                    <a16:rowId xmlns:a16="http://schemas.microsoft.com/office/drawing/2014/main" val="2333915900"/>
+                    <a16:rowId xmlns="" xmlns:a16="http://schemas.microsoft.com/office/drawing/2014/main" val="2333915900"/>
                   </a:ext>
                 </a:extLst>
               </a:tr>
@@ -15214,7 +15128,7 @@
     </p:spTree>
     <p:extLst>
       <p:ext uri="{BB962C8B-B14F-4D97-AF65-F5344CB8AC3E}">
-        <p14:creationId xmlns:p14="http://schemas.microsoft.com/office/powerpoint/2010/main" val="3679388352"/>
+        <p14:creationId xmlns="" xmlns:p14="http://schemas.microsoft.com/office/powerpoint/2010/main" val="3679388352"/>
       </p:ext>
     </p:extLst>
   </p:cSld>
@@ -15246,7 +15160,7 @@
           <p:cNvPr id="2" name="Title 1">
             <a:extLst>
               <a:ext uri="{FF2B5EF4-FFF2-40B4-BE49-F238E27FC236}">
-                <a16:creationId xmlns:a16="http://schemas.microsoft.com/office/drawing/2014/main" id="{24002F7D-E4BD-4EB3-8EC2-386CEA586CD1}"/>
+                <a16:creationId xmlns="" xmlns:a16="http://schemas.microsoft.com/office/drawing/2014/main" id="{24002F7D-E4BD-4EB3-8EC2-386CEA586CD1}"/>
               </a:ext>
             </a:extLst>
           </p:cNvPr>
@@ -15281,7 +15195,7 @@
           <p:cNvPr id="4" name="TextBox 3">
             <a:extLst>
               <a:ext uri="{FF2B5EF4-FFF2-40B4-BE49-F238E27FC236}">
-                <a16:creationId xmlns:a16="http://schemas.microsoft.com/office/drawing/2014/main" id="{1F4531EE-D7D6-49AA-9985-0151E3E5E297}"/>
+                <a16:creationId xmlns="" xmlns:a16="http://schemas.microsoft.com/office/drawing/2014/main" id="{1F4531EE-D7D6-49AA-9985-0151E3E5E297}"/>
               </a:ext>
             </a:extLst>
           </p:cNvPr>
@@ -15362,7 +15276,7 @@
           <p:cNvPr id="5" name="TextBox 4">
             <a:extLst>
               <a:ext uri="{FF2B5EF4-FFF2-40B4-BE49-F238E27FC236}">
-                <a16:creationId xmlns:a16="http://schemas.microsoft.com/office/drawing/2014/main" id="{ECDD49AE-DFF8-42F3-8409-744738DDB38D}"/>
+                <a16:creationId xmlns="" xmlns:a16="http://schemas.microsoft.com/office/drawing/2014/main" id="{ECDD49AE-DFF8-42F3-8409-744738DDB38D}"/>
               </a:ext>
             </a:extLst>
           </p:cNvPr>
@@ -15463,7 +15377,7 @@
           <p:cNvPr id="6" name="TextBox 5">
             <a:extLst>
               <a:ext uri="{FF2B5EF4-FFF2-40B4-BE49-F238E27FC236}">
-                <a16:creationId xmlns:a16="http://schemas.microsoft.com/office/drawing/2014/main" id="{12D8388F-D8A2-40ED-B041-8EB613D6E639}"/>
+                <a16:creationId xmlns="" xmlns:a16="http://schemas.microsoft.com/office/drawing/2014/main" id="{12D8388F-D8A2-40ED-B041-8EB613D6E639}"/>
               </a:ext>
             </a:extLst>
           </p:cNvPr>
@@ -15495,7 +15409,7 @@
           <p:cNvPr id="8" name="Table 7">
             <a:extLst>
               <a:ext uri="{FF2B5EF4-FFF2-40B4-BE49-F238E27FC236}">
-                <a16:creationId xmlns:a16="http://schemas.microsoft.com/office/drawing/2014/main" id="{DAC264B7-3150-46CC-B25E-7D5E813B2107}"/>
+                <a16:creationId xmlns="" xmlns:a16="http://schemas.microsoft.com/office/drawing/2014/main" id="{DAC264B7-3150-46CC-B25E-7D5E813B2107}"/>
               </a:ext>
             </a:extLst>
           </p:cNvPr>
@@ -15505,7 +15419,7 @@
           <p:nvPr>
             <p:extLst>
               <p:ext uri="{D42A27DB-BD31-4B8C-83A1-F6EECF244321}">
-                <p14:modId xmlns:p14="http://schemas.microsoft.com/office/powerpoint/2010/main" val="353920061"/>
+                <p14:modId xmlns="" xmlns:p14="http://schemas.microsoft.com/office/powerpoint/2010/main" val="353920061"/>
               </p:ext>
             </p:extLst>
           </p:nvPr>
@@ -15524,28 +15438,28 @@
                 <a:gridCol w="1914440">
                   <a:extLst>
                     <a:ext uri="{9D8B030D-6E8A-4147-A177-3AD203B41FA5}">
-                      <a16:colId xmlns:a16="http://schemas.microsoft.com/office/drawing/2014/main" val="3587727809"/>
+                      <a16:colId xmlns="" xmlns:a16="http://schemas.microsoft.com/office/drawing/2014/main" val="3587727809"/>
                     </a:ext>
                   </a:extLst>
                 </a:gridCol>
                 <a:gridCol w="1361209">
                   <a:extLst>
                     <a:ext uri="{9D8B030D-6E8A-4147-A177-3AD203B41FA5}">
-                      <a16:colId xmlns:a16="http://schemas.microsoft.com/office/drawing/2014/main" val="588989717"/>
+                      <a16:colId xmlns="" xmlns:a16="http://schemas.microsoft.com/office/drawing/2014/main" val="588989717"/>
                     </a:ext>
                   </a:extLst>
                 </a:gridCol>
                 <a:gridCol w="733335">
                   <a:extLst>
                     <a:ext uri="{9D8B030D-6E8A-4147-A177-3AD203B41FA5}">
-                      <a16:colId xmlns:a16="http://schemas.microsoft.com/office/drawing/2014/main" val="3710802802"/>
+                      <a16:colId xmlns="" xmlns:a16="http://schemas.microsoft.com/office/drawing/2014/main" val="3710802802"/>
                     </a:ext>
                   </a:extLst>
                 </a:gridCol>
                 <a:gridCol w="1142224">
                   <a:extLst>
                     <a:ext uri="{9D8B030D-6E8A-4147-A177-3AD203B41FA5}">
-                      <a16:colId xmlns:a16="http://schemas.microsoft.com/office/drawing/2014/main" val="3161232220"/>
+                      <a16:colId xmlns="" xmlns:a16="http://schemas.microsoft.com/office/drawing/2014/main" val="3161232220"/>
                     </a:ext>
                   </a:extLst>
                 </a:gridCol>
@@ -15645,7 +15559,7 @@
                 </a:tc>
                 <a:extLst>
                   <a:ext uri="{0D108BD9-81ED-4DB2-BD59-A6C34878D82A}">
-                    <a16:rowId xmlns:a16="http://schemas.microsoft.com/office/drawing/2014/main" val="491505750"/>
+                    <a16:rowId xmlns="" xmlns:a16="http://schemas.microsoft.com/office/drawing/2014/main" val="491505750"/>
                   </a:ext>
                 </a:extLst>
               </a:tr>
@@ -15744,7 +15658,7 @@
                 </a:tc>
                 <a:extLst>
                   <a:ext uri="{0D108BD9-81ED-4DB2-BD59-A6C34878D82A}">
-                    <a16:rowId xmlns:a16="http://schemas.microsoft.com/office/drawing/2014/main" val="196718133"/>
+                    <a16:rowId xmlns="" xmlns:a16="http://schemas.microsoft.com/office/drawing/2014/main" val="196718133"/>
                   </a:ext>
                 </a:extLst>
               </a:tr>
@@ -15843,7 +15757,7 @@
                 </a:tc>
                 <a:extLst>
                   <a:ext uri="{0D108BD9-81ED-4DB2-BD59-A6C34878D82A}">
-                    <a16:rowId xmlns:a16="http://schemas.microsoft.com/office/drawing/2014/main" val="920290734"/>
+                    <a16:rowId xmlns="" xmlns:a16="http://schemas.microsoft.com/office/drawing/2014/main" val="920290734"/>
                   </a:ext>
                 </a:extLst>
               </a:tr>
@@ -15942,7 +15856,7 @@
                 </a:tc>
                 <a:extLst>
                   <a:ext uri="{0D108BD9-81ED-4DB2-BD59-A6C34878D82A}">
-                    <a16:rowId xmlns:a16="http://schemas.microsoft.com/office/drawing/2014/main" val="2359256683"/>
+                    <a16:rowId xmlns="" xmlns:a16="http://schemas.microsoft.com/office/drawing/2014/main" val="2359256683"/>
                   </a:ext>
                 </a:extLst>
               </a:tr>
@@ -16041,7 +15955,7 @@
                 </a:tc>
                 <a:extLst>
                   <a:ext uri="{0D108BD9-81ED-4DB2-BD59-A6C34878D82A}">
-                    <a16:rowId xmlns:a16="http://schemas.microsoft.com/office/drawing/2014/main" val="3750594152"/>
+                    <a16:rowId xmlns="" xmlns:a16="http://schemas.microsoft.com/office/drawing/2014/main" val="3750594152"/>
                   </a:ext>
                 </a:extLst>
               </a:tr>
@@ -16140,7 +16054,7 @@
                 </a:tc>
                 <a:extLst>
                   <a:ext uri="{0D108BD9-81ED-4DB2-BD59-A6C34878D82A}">
-                    <a16:rowId xmlns:a16="http://schemas.microsoft.com/office/drawing/2014/main" val="2914670552"/>
+                    <a16:rowId xmlns="" xmlns:a16="http://schemas.microsoft.com/office/drawing/2014/main" val="2914670552"/>
                   </a:ext>
                 </a:extLst>
               </a:tr>
@@ -16153,7 +16067,7 @@
           <p:cNvPr id="7" name="TextBox 6">
             <a:extLst>
               <a:ext uri="{FF2B5EF4-FFF2-40B4-BE49-F238E27FC236}">
-                <a16:creationId xmlns:a16="http://schemas.microsoft.com/office/drawing/2014/main" id="{74EAD92D-DC66-40CF-9F00-F4EB20D9760C}"/>
+                <a16:creationId xmlns="" xmlns:a16="http://schemas.microsoft.com/office/drawing/2014/main" id="{74EAD92D-DC66-40CF-9F00-F4EB20D9760C}"/>
               </a:ext>
             </a:extLst>
           </p:cNvPr>
@@ -16189,7 +16103,7 @@
     </p:spTree>
     <p:extLst>
       <p:ext uri="{BB962C8B-B14F-4D97-AF65-F5344CB8AC3E}">
-        <p14:creationId xmlns:p14="http://schemas.microsoft.com/office/powerpoint/2010/main" val="1291606751"/>
+        <p14:creationId xmlns="" xmlns:p14="http://schemas.microsoft.com/office/powerpoint/2010/main" val="1291606751"/>
       </p:ext>
     </p:extLst>
   </p:cSld>
@@ -16221,7 +16135,7 @@
           <p:cNvPr id="2" name="Title 1">
             <a:extLst>
               <a:ext uri="{FF2B5EF4-FFF2-40B4-BE49-F238E27FC236}">
-                <a16:creationId xmlns:a16="http://schemas.microsoft.com/office/drawing/2014/main" id="{9A9E382C-1E3A-42CA-A793-6B6768C94B07}"/>
+                <a16:creationId xmlns="" xmlns:a16="http://schemas.microsoft.com/office/drawing/2014/main" id="{9A9E382C-1E3A-42CA-A793-6B6768C94B07}"/>
               </a:ext>
             </a:extLst>
           </p:cNvPr>
@@ -16251,7 +16165,7 @@
           <p:cNvPr id="3" name="Content Placeholder 2">
             <a:extLst>
               <a:ext uri="{FF2B5EF4-FFF2-40B4-BE49-F238E27FC236}">
-                <a16:creationId xmlns:a16="http://schemas.microsoft.com/office/drawing/2014/main" id="{E573BCBB-8385-4D27-A521-39E3DF86BC69}"/>
+                <a16:creationId xmlns="" xmlns:a16="http://schemas.microsoft.com/office/drawing/2014/main" id="{E573BCBB-8385-4D27-A521-39E3DF86BC69}"/>
               </a:ext>
             </a:extLst>
           </p:cNvPr>
@@ -16387,7 +16301,7 @@
     </p:spTree>
     <p:extLst>
       <p:ext uri="{BB962C8B-B14F-4D97-AF65-F5344CB8AC3E}">
-        <p14:creationId xmlns:p14="http://schemas.microsoft.com/office/powerpoint/2010/main" val="1516619519"/>
+        <p14:creationId xmlns="" xmlns:p14="http://schemas.microsoft.com/office/powerpoint/2010/main" val="1516619519"/>
       </p:ext>
     </p:extLst>
   </p:cSld>
@@ -16419,7 +16333,7 @@
           <p:cNvPr id="2" name="Title 1">
             <a:extLst>
               <a:ext uri="{FF2B5EF4-FFF2-40B4-BE49-F238E27FC236}">
-                <a16:creationId xmlns:a16="http://schemas.microsoft.com/office/drawing/2014/main" id="{D32E6053-C9B3-435E-8EC6-A2A23AD1F5A6}"/>
+                <a16:creationId xmlns="" xmlns:a16="http://schemas.microsoft.com/office/drawing/2014/main" id="{D32E6053-C9B3-435E-8EC6-A2A23AD1F5A6}"/>
               </a:ext>
             </a:extLst>
           </p:cNvPr>
@@ -16447,7 +16361,7 @@
           <p:cNvPr id="3" name="Content Placeholder 2">
             <a:extLst>
               <a:ext uri="{FF2B5EF4-FFF2-40B4-BE49-F238E27FC236}">
-                <a16:creationId xmlns:a16="http://schemas.microsoft.com/office/drawing/2014/main" id="{0456D43E-141B-4CDB-B599-C445FBA2B46C}"/>
+                <a16:creationId xmlns="" xmlns:a16="http://schemas.microsoft.com/office/drawing/2014/main" id="{0456D43E-141B-4CDB-B599-C445FBA2B46C}"/>
               </a:ext>
             </a:extLst>
           </p:cNvPr>
@@ -16512,7 +16426,7 @@
     </p:spTree>
     <p:extLst>
       <p:ext uri="{BB962C8B-B14F-4D97-AF65-F5344CB8AC3E}">
-        <p14:creationId xmlns:p14="http://schemas.microsoft.com/office/powerpoint/2010/main" val="2609616835"/>
+        <p14:creationId xmlns="" xmlns:p14="http://schemas.microsoft.com/office/powerpoint/2010/main" val="2609616835"/>
       </p:ext>
     </p:extLst>
   </p:cSld>
@@ -16565,7 +16479,7 @@
     </a:clrScheme>
     <a:fontScheme name="Facet">
       <a:majorFont>
-        <a:latin typeface="Trebuchet MS" panose="020B0603020202020204"/>
+        <a:latin typeface="Trebuchet MS"/>
         <a:ea typeface=""/>
         <a:cs typeface=""/>
         <a:font script="Jpan" typeface="メイリオ"/>
@@ -16600,7 +16514,7 @@
         <a:font script="Geor" typeface="Sylfaen"/>
       </a:majorFont>
       <a:minorFont>
-        <a:latin typeface="Trebuchet MS" panose="020B0603020202020204"/>
+        <a:latin typeface="Trebuchet MS"/>
         <a:ea typeface=""/>
         <a:cs typeface=""/>
         <a:font script="Jpan" typeface="メイリオ"/>
@@ -16773,7 +16687,7 @@
   <a:extraClrSchemeLst/>
   <a:extLst>
     <a:ext uri="{05A4C25C-085E-4340-85A3-A5531E510DB2}">
-      <thm15:themeFamily xmlns:thm15="http://schemas.microsoft.com/office/thememl/2012/main" name="Facet" id="{C0C680CD-088A-49FC-A102-D699147F32B2}" vid="{CFBC31BA-B70F-4F30-BCAA-4F3011E16C4D}"/>
+      <thm15:themeFamily xmlns="" xmlns:thm15="http://schemas.microsoft.com/office/thememl/2012/main" name="Facet" id="{C0C680CD-088A-49FC-A102-D699147F32B2}" vid="{CFBC31BA-B70F-4F30-BCAA-4F3011E16C4D}"/>
     </a:ext>
   </a:extLst>
 </a:theme>
@@ -16822,7 +16736,7 @@
     </a:clrScheme>
     <a:fontScheme name="Office">
       <a:majorFont>
-        <a:latin typeface="Calibri Light" panose="020F0302020204030204"/>
+        <a:latin typeface="Calibri Light"/>
         <a:ea typeface=""/>
         <a:cs typeface=""/>
         <a:font script="Jpan" typeface="游ゴシック Light"/>
@@ -16874,7 +16788,7 @@
         <a:font script="Tfng" typeface="Ebrima"/>
       </a:majorFont>
       <a:minorFont>
-        <a:latin typeface="Calibri" panose="020F0502020204030204"/>
+        <a:latin typeface="Calibri"/>
         <a:ea typeface=""/>
         <a:cs typeface=""/>
         <a:font script="Jpan" typeface="游ゴシック"/>
@@ -17068,7 +16982,7 @@
   <a:extraClrSchemeLst/>
   <a:extLst>
     <a:ext uri="{05A4C25C-085E-4340-85A3-A5531E510DB2}">
-      <thm15:themeFamily xmlns:thm15="http://schemas.microsoft.com/office/thememl/2012/main" name="Office Theme" id="{62F939B6-93AF-4DB8-9C6B-D6C7DFDC589F}" vid="{4A3C46E8-61CC-4603-A589-7422A47A8E4A}"/>
+      <thm15:themeFamily xmlns="" xmlns:thm15="http://schemas.microsoft.com/office/thememl/2012/main" name="Office Theme" id="{62F939B6-93AF-4DB8-9C6B-D6C7DFDC589F}" vid="{4A3C46E8-61CC-4603-A589-7422A47A8E4A}"/>
     </a:ext>
   </a:extLst>
 </a:theme>

--- a/Credit Default detector_v6.pptx
+++ b/Credit Default detector_v6.pptx
@@ -118,7 +118,18 @@
   </p:defaultTextStyle>
   <p:extLst>
     <p:ext uri="{EFAFB233-063F-42B5-8137-9DF3F51BA10A}">
-      <p15:sldGuideLst xmlns="" xmlns:p15="http://schemas.microsoft.com/office/powerpoint/2012/main"/>
+      <p15:sldGuideLst xmlns:p15="http://schemas.microsoft.com/office/powerpoint/2012/main">
+        <p15:guide id="1" orient="horz" pos="2160">
+          <p15:clr>
+            <a:srgbClr val="A4A3A4"/>
+          </p15:clr>
+        </p15:guide>
+        <p15:guide id="2" pos="3840">
+          <p15:clr>
+            <a:srgbClr val="A4A3A4"/>
+          </p15:clr>
+        </p15:guide>
+      </p15:sldGuideLst>
     </p:ext>
   </p:extLst>
 </p:presentation>
@@ -1120,7 +1131,7 @@
           <a:blip xmlns:r="http://schemas.openxmlformats.org/officeDocument/2006/relationships" r:embed="rId1">
             <a:extLst>
               <a:ext uri="{28A0092B-C50C-407E-A947-70E740481C1C}">
-                <a14:useLocalDpi xmlns="" xmlns:a14="http://schemas.microsoft.com/office/drawing/2010/main" val="0"/>
+                <a14:useLocalDpi xmlns:a14="http://schemas.microsoft.com/office/drawing/2010/main" val="0"/>
               </a:ext>
             </a:extLst>
           </a:blip>
@@ -1258,7 +1269,7 @@
           <a:blip xmlns:r="http://schemas.openxmlformats.org/officeDocument/2006/relationships" r:embed="rId2">
             <a:extLst>
               <a:ext uri="{28A0092B-C50C-407E-A947-70E740481C1C}">
-                <a14:useLocalDpi xmlns="" xmlns:a14="http://schemas.microsoft.com/office/drawing/2010/main" val="0"/>
+                <a14:useLocalDpi xmlns:a14="http://schemas.microsoft.com/office/drawing/2010/main" val="0"/>
               </a:ext>
             </a:extLst>
           </a:blip>
@@ -1372,15 +1383,15 @@
     </dgm:pt>
   </dgm:ptLst>
   <dgm:cxnLst>
-    <dgm:cxn modelId="{BB6DF471-A218-4F1C-B3BD-DCC4FFD8ED3B}" type="presOf" srcId="{B9E09A4A-CCA8-4F69-8979-7018D9BE4FB8}" destId="{31673BAE-8D52-4E0F-A4D0-E3D60F07C823}" srcOrd="0" destOrd="0" presId="urn:microsoft.com/office/officeart/2008/layout/CaptionedPictures"/>
+    <dgm:cxn modelId="{81AC5558-F3F7-43FC-BB11-EB317E17EC6B}" srcId="{B9E09A4A-CCA8-4F69-8979-7018D9BE4FB8}" destId="{9C28268D-7924-4421-841C-B7C96851D5D4}" srcOrd="2" destOrd="0" parTransId="{737F0854-D34F-4B00-9B15-BD68A0697265}" sibTransId="{D9E7982A-4C42-4406-ABCB-473518378790}"/>
+    <dgm:cxn modelId="{BFDEC5B5-D679-41B0-94AB-F21DD259945C}" type="presOf" srcId="{BFB32893-2A84-469A-BD90-07EE114FD3D1}" destId="{2D9B9575-C59E-4A14-96B3-EB377DFF71B8}" srcOrd="0" destOrd="0" presId="urn:microsoft.com/office/officeart/2008/layout/CaptionedPictures"/>
     <dgm:cxn modelId="{312ED7DE-B1D5-43BE-958A-0ECE0FF4F3E1}" srcId="{B9E09A4A-CCA8-4F69-8979-7018D9BE4FB8}" destId="{09738C52-7579-4F90-B727-E125CD2CB6A1}" srcOrd="1" destOrd="0" parTransId="{08958FC3-B2F0-4445-BA6D-0C2EE0932870}" sibTransId="{5086BEA2-65F9-47BB-9CBE-9A9CCDFE77FE}"/>
     <dgm:cxn modelId="{901E1D74-86C2-42AA-8A67-C2AF34B04C9D}" type="presOf" srcId="{09738C52-7579-4F90-B727-E125CD2CB6A1}" destId="{289B8921-1F9D-4DA3-A58F-2ACA96436F62}" srcOrd="0" destOrd="0" presId="urn:microsoft.com/office/officeart/2008/layout/CaptionedPictures"/>
+    <dgm:cxn modelId="{D01445C2-8000-45E7-9B17-6FA41463FDDF}" type="presOf" srcId="{9C28268D-7924-4421-841C-B7C96851D5D4}" destId="{EDA8A7BB-423F-4A2C-ADAD-8D18D6A469A7}" srcOrd="0" destOrd="0" presId="urn:microsoft.com/office/officeart/2008/layout/CaptionedPictures"/>
+    <dgm:cxn modelId="{B64DE11C-8755-4D6D-8E7E-CCDB2274939A}" srcId="{B9E09A4A-CCA8-4F69-8979-7018D9BE4FB8}" destId="{BFB32893-2A84-469A-BD90-07EE114FD3D1}" srcOrd="3" destOrd="0" parTransId="{B00883C8-6891-4F73-991F-C880FBA2321C}" sibTransId="{19F089AA-DCCF-4EFA-B09C-CCE6DCFCB476}"/>
+    <dgm:cxn modelId="{BB6DF471-A218-4F1C-B3BD-DCC4FFD8ED3B}" type="presOf" srcId="{B9E09A4A-CCA8-4F69-8979-7018D9BE4FB8}" destId="{31673BAE-8D52-4E0F-A4D0-E3D60F07C823}" srcOrd="0" destOrd="0" presId="urn:microsoft.com/office/officeart/2008/layout/CaptionedPictures"/>
     <dgm:cxn modelId="{ADE6B7D7-213B-4CCF-9B7F-D6451D696679}" srcId="{B9E09A4A-CCA8-4F69-8979-7018D9BE4FB8}" destId="{2902187E-3B0E-473F-8FD0-FC0F383CF575}" srcOrd="0" destOrd="0" parTransId="{5A6376D8-54F4-4EE0-A8EF-A03FB6B8020E}" sibTransId="{4024DDA4-BC92-4EA9-8406-3C48B3799E38}"/>
-    <dgm:cxn modelId="{B64DE11C-8755-4D6D-8E7E-CCDB2274939A}" srcId="{B9E09A4A-CCA8-4F69-8979-7018D9BE4FB8}" destId="{BFB32893-2A84-469A-BD90-07EE114FD3D1}" srcOrd="3" destOrd="0" parTransId="{B00883C8-6891-4F73-991F-C880FBA2321C}" sibTransId="{19F089AA-DCCF-4EFA-B09C-CCE6DCFCB476}"/>
-    <dgm:cxn modelId="{BFDEC5B5-D679-41B0-94AB-F21DD259945C}" type="presOf" srcId="{BFB32893-2A84-469A-BD90-07EE114FD3D1}" destId="{2D9B9575-C59E-4A14-96B3-EB377DFF71B8}" srcOrd="0" destOrd="0" presId="urn:microsoft.com/office/officeart/2008/layout/CaptionedPictures"/>
-    <dgm:cxn modelId="{D01445C2-8000-45E7-9B17-6FA41463FDDF}" type="presOf" srcId="{9C28268D-7924-4421-841C-B7C96851D5D4}" destId="{EDA8A7BB-423F-4A2C-ADAD-8D18D6A469A7}" srcOrd="0" destOrd="0" presId="urn:microsoft.com/office/officeart/2008/layout/CaptionedPictures"/>
     <dgm:cxn modelId="{076FE48F-4877-4A85-A62D-B555F9E0EFF3}" type="presOf" srcId="{2902187E-3B0E-473F-8FD0-FC0F383CF575}" destId="{57BD8566-9E1B-4298-AF41-528815ABD600}" srcOrd="0" destOrd="0" presId="urn:microsoft.com/office/officeart/2008/layout/CaptionedPictures"/>
-    <dgm:cxn modelId="{81AC5558-F3F7-43FC-BB11-EB317E17EC6B}" srcId="{B9E09A4A-CCA8-4F69-8979-7018D9BE4FB8}" destId="{9C28268D-7924-4421-841C-B7C96851D5D4}" srcOrd="2" destOrd="0" parTransId="{737F0854-D34F-4B00-9B15-BD68A0697265}" sibTransId="{D9E7982A-4C42-4406-ABCB-473518378790}"/>
     <dgm:cxn modelId="{BB51B938-C206-4DD5-8C36-868D03ED1F25}" type="presParOf" srcId="{31673BAE-8D52-4E0F-A4D0-E3D60F07C823}" destId="{397CAE2E-DC04-42E9-B6AA-3C073FE2D020}" srcOrd="0" destOrd="0" presId="urn:microsoft.com/office/officeart/2008/layout/CaptionedPictures"/>
     <dgm:cxn modelId="{E1555DFF-0896-4D91-B333-BD1BCF7B1084}" type="presParOf" srcId="{397CAE2E-DC04-42E9-B6AA-3C073FE2D020}" destId="{322DDC06-E0D7-4729-B9A4-F817E81463AE}" srcOrd="0" destOrd="0" presId="urn:microsoft.com/office/officeart/2008/layout/CaptionedPictures"/>
     <dgm:cxn modelId="{D6FE9694-3D96-4EB2-8868-F4291A222B96}" type="presParOf" srcId="{397CAE2E-DC04-42E9-B6AA-3C073FE2D020}" destId="{6616B052-ADEE-43DF-A524-D4EE6BF4E702}" srcOrd="1" destOrd="0" presId="urn:microsoft.com/office/officeart/2008/layout/CaptionedPictures"/>
@@ -1413,7 +1424,7 @@
   <dgm:whole/>
   <dgm:extLst>
     <a:ext uri="http://schemas.microsoft.com/office/drawing/2008/diagram">
-      <dsp:dataModelExt xmlns="" xmlns:dsp="http://schemas.microsoft.com/office/drawing/2008/diagram" relId="rId6" minVer="http://schemas.openxmlformats.org/drawingml/2006/diagram"/>
+      <dsp:dataModelExt xmlns:dsp="http://schemas.microsoft.com/office/drawing/2008/diagram" relId="rId6" minVer="http://schemas.openxmlformats.org/drawingml/2006/diagram"/>
     </a:ext>
   </dgm:extLst>
 </dgm:dataModel>
@@ -1427,777 +1438,6 @@
       <dsp:cNvGrpSpPr/>
     </dsp:nvGrpSpPr>
     <dsp:grpSpPr/>
-    <dsp:sp modelId="{322DDC06-E0D7-4729-B9A4-F817E81463AE}">
-      <dsp:nvSpPr>
-        <dsp:cNvPr id="0" name=""/>
-        <dsp:cNvSpPr/>
-      </dsp:nvSpPr>
-      <dsp:spPr>
-        <a:xfrm>
-          <a:off x="457523" y="204485"/>
-          <a:ext cx="1916865" cy="4206302"/>
-        </a:xfrm>
-        <a:prstGeom prst="rect">
-          <a:avLst/>
-        </a:prstGeom>
-        <a:solidFill>
-          <a:schemeClr val="lt1">
-            <a:alpha val="40000"/>
-            <a:hueOff val="0"/>
-            <a:satOff val="0"/>
-            <a:lumOff val="0"/>
-            <a:alphaOff val="0"/>
-          </a:schemeClr>
-        </a:solidFill>
-        <a:ln w="12700" cap="rnd" cmpd="sng" algn="ctr">
-          <a:solidFill>
-            <a:schemeClr val="accent1">
-              <a:hueOff val="0"/>
-              <a:satOff val="0"/>
-              <a:lumOff val="0"/>
-              <a:alphaOff val="0"/>
-            </a:schemeClr>
-          </a:solidFill>
-          <a:prstDash val="solid"/>
-        </a:ln>
-        <a:effectLst/>
-      </dsp:spPr>
-      <dsp:style>
-        <a:lnRef idx="1">
-          <a:scrgbClr r="0" g="0" b="0"/>
-        </a:lnRef>
-        <a:fillRef idx="1">
-          <a:scrgbClr r="0" g="0" b="0"/>
-        </a:fillRef>
-        <a:effectRef idx="0">
-          <a:scrgbClr r="0" g="0" b="0"/>
-        </a:effectRef>
-        <a:fontRef idx="minor"/>
-      </dsp:style>
-    </dsp:sp>
-    <dsp:sp modelId="{6616B052-ADEE-43DF-A524-D4EE6BF4E702}">
-      <dsp:nvSpPr>
-        <dsp:cNvPr id="0" name=""/>
-        <dsp:cNvSpPr/>
-      </dsp:nvSpPr>
-      <dsp:spPr>
-        <a:xfrm>
-          <a:off x="551689" y="385421"/>
-          <a:ext cx="1725179" cy="1465838"/>
-        </a:xfrm>
-        <a:prstGeom prst="rect">
-          <a:avLst/>
-        </a:prstGeom>
-        <a:blipFill>
-          <a:blip xmlns:r="http://schemas.openxmlformats.org/officeDocument/2006/relationships" r:embed="rId1">
-            <a:extLst>
-              <a:ext uri="{28A0092B-C50C-407E-A947-70E740481C1C}">
-                <a14:useLocalDpi xmlns:a14="http://schemas.microsoft.com/office/drawing/2010/main" val="0"/>
-              </a:ext>
-            </a:extLst>
-          </a:blip>
-          <a:srcRect/>
-          <a:stretch>
-            <a:fillRect t="-10000" b="-10000"/>
-          </a:stretch>
-        </a:blipFill>
-        <a:ln w="19050" cap="rnd" cmpd="sng" algn="ctr">
-          <a:solidFill>
-            <a:schemeClr val="lt1">
-              <a:hueOff val="0"/>
-              <a:satOff val="0"/>
-              <a:lumOff val="0"/>
-              <a:alphaOff val="0"/>
-            </a:schemeClr>
-          </a:solidFill>
-          <a:prstDash val="solid"/>
-        </a:ln>
-        <a:effectLst/>
-      </dsp:spPr>
-      <dsp:style>
-        <a:lnRef idx="2">
-          <a:scrgbClr r="0" g="0" b="0"/>
-        </a:lnRef>
-        <a:fillRef idx="1">
-          <a:scrgbClr r="0" g="0" b="0"/>
-        </a:fillRef>
-        <a:effectRef idx="0">
-          <a:scrgbClr r="0" g="0" b="0"/>
-        </a:effectRef>
-        <a:fontRef idx="minor"/>
-      </dsp:style>
-    </dsp:sp>
-    <dsp:sp modelId="{57BD8566-9E1B-4298-AF41-528815ABD600}">
-      <dsp:nvSpPr>
-        <dsp:cNvPr id="0" name=""/>
-        <dsp:cNvSpPr/>
-      </dsp:nvSpPr>
-      <dsp:spPr>
-        <a:xfrm>
-          <a:off x="520687" y="1913232"/>
-          <a:ext cx="1725179" cy="1994585"/>
-        </a:xfrm>
-        <a:prstGeom prst="rect">
-          <a:avLst/>
-        </a:prstGeom>
-        <a:noFill/>
-        <a:ln>
-          <a:noFill/>
-        </a:ln>
-        <a:effectLst/>
-      </dsp:spPr>
-      <dsp:style>
-        <a:lnRef idx="0">
-          <a:scrgbClr r="0" g="0" b="0"/>
-        </a:lnRef>
-        <a:fillRef idx="0">
-          <a:scrgbClr r="0" g="0" b="0"/>
-        </a:fillRef>
-        <a:effectRef idx="0">
-          <a:scrgbClr r="0" g="0" b="0"/>
-        </a:effectRef>
-        <a:fontRef idx="minor"/>
-      </dsp:style>
-      <dsp:txBody>
-        <a:bodyPr spcFirstLastPara="0" vert="horz" wrap="square" lIns="45720" tIns="45720" rIns="45720" bIns="45720" numCol="1" spcCol="1270" anchor="ctr" anchorCtr="0">
-          <a:noAutofit/>
-        </a:bodyPr>
-        <a:lstStyle/>
-        <a:p>
-          <a:pPr marL="0" lvl="0" indent="0" algn="ctr" defTabSz="533400">
-            <a:lnSpc>
-              <a:spcPct val="90000"/>
-            </a:lnSpc>
-            <a:spcBef>
-              <a:spcPct val="0"/>
-            </a:spcBef>
-            <a:spcAft>
-              <a:spcPct val="35000"/>
-            </a:spcAft>
-            <a:buNone/>
-          </a:pPr>
-          <a:endParaRPr lang="en-US" sz="1200" b="1" kern="1200" dirty="0"/>
-        </a:p>
-        <a:p>
-          <a:pPr marL="0" lvl="0" indent="0" algn="ctr" defTabSz="533400">
-            <a:lnSpc>
-              <a:spcPct val="90000"/>
-            </a:lnSpc>
-            <a:spcBef>
-              <a:spcPct val="0"/>
-            </a:spcBef>
-            <a:spcAft>
-              <a:spcPct val="35000"/>
-            </a:spcAft>
-            <a:buNone/>
-          </a:pPr>
-          <a:r>
-            <a:rPr lang="en-US" sz="1200" b="1" kern="1200" dirty="0"/>
-            <a:t>Joel Choe</a:t>
-          </a:r>
-        </a:p>
-        <a:p>
-          <a:pPr marL="0" lvl="0" indent="0" algn="ctr" defTabSz="533400">
-            <a:lnSpc>
-              <a:spcPct val="90000"/>
-            </a:lnSpc>
-            <a:spcBef>
-              <a:spcPct val="0"/>
-            </a:spcBef>
-            <a:spcAft>
-              <a:spcPct val="35000"/>
-            </a:spcAft>
-            <a:buNone/>
-          </a:pPr>
-          <a:endParaRPr lang="en-US" sz="1100" kern="1200" dirty="0"/>
-        </a:p>
-        <a:p>
-          <a:pPr marL="0" lvl="0" indent="0" algn="l" defTabSz="533400">
-            <a:lnSpc>
-              <a:spcPct val="90000"/>
-            </a:lnSpc>
-            <a:spcBef>
-              <a:spcPct val="0"/>
-            </a:spcBef>
-            <a:spcAft>
-              <a:spcPct val="35000"/>
-            </a:spcAft>
-            <a:buNone/>
-          </a:pPr>
-          <a:r>
-            <a:rPr lang="en-US" sz="1100" kern="1200" dirty="0"/>
-            <a:t>Associate on the OTC Derivatives team within Basel Measurement &amp; Analytics</a:t>
-          </a:r>
-        </a:p>
-        <a:p>
-          <a:pPr marL="0" lvl="0" indent="0" algn="l" defTabSz="533400">
-            <a:lnSpc>
-              <a:spcPct val="90000"/>
-            </a:lnSpc>
-            <a:spcBef>
-              <a:spcPct val="0"/>
-            </a:spcBef>
-            <a:spcAft>
-              <a:spcPct val="35000"/>
-            </a:spcAft>
-            <a:buNone/>
-          </a:pPr>
-          <a:r>
-            <a:rPr lang="en-US" sz="1100" kern="1200" dirty="0"/>
-            <a:t>First got interested in data/analytics because of fantasy basketball</a:t>
-          </a:r>
-        </a:p>
-        <a:p>
-          <a:pPr marL="0" lvl="0" indent="0" algn="l" defTabSz="533400">
-            <a:lnSpc>
-              <a:spcPct val="90000"/>
-            </a:lnSpc>
-            <a:spcBef>
-              <a:spcPct val="0"/>
-            </a:spcBef>
-            <a:spcAft>
-              <a:spcPct val="35000"/>
-            </a:spcAft>
-            <a:buNone/>
-          </a:pPr>
-          <a:r>
-            <a:rPr lang="en-US" sz="1100" kern="1200" dirty="0"/>
-            <a:t>Favorite Quote: "You come at the king, you best not miss." - Omar Little from "The Wire"</a:t>
-          </a:r>
-        </a:p>
-      </dsp:txBody>
-      <dsp:txXfrm>
-        <a:off x="520687" y="1913232"/>
-        <a:ext cx="1725179" cy="1994585"/>
-      </dsp:txXfrm>
-    </dsp:sp>
-    <dsp:sp modelId="{3969236B-E42B-4AC2-A333-6FE4BEE0BDEC}">
-      <dsp:nvSpPr>
-        <dsp:cNvPr id="0" name=""/>
-        <dsp:cNvSpPr/>
-      </dsp:nvSpPr>
-      <dsp:spPr>
-        <a:xfrm>
-          <a:off x="2836670" y="204293"/>
-          <a:ext cx="1916865" cy="4191531"/>
-        </a:xfrm>
-        <a:prstGeom prst="rect">
-          <a:avLst/>
-        </a:prstGeom>
-        <a:solidFill>
-          <a:schemeClr val="lt1">
-            <a:alpha val="40000"/>
-            <a:hueOff val="0"/>
-            <a:satOff val="0"/>
-            <a:lumOff val="0"/>
-            <a:alphaOff val="0"/>
-          </a:schemeClr>
-        </a:solidFill>
-        <a:ln w="12700" cap="rnd" cmpd="sng" algn="ctr">
-          <a:solidFill>
-            <a:schemeClr val="accent1">
-              <a:hueOff val="0"/>
-              <a:satOff val="0"/>
-              <a:lumOff val="0"/>
-              <a:alphaOff val="0"/>
-            </a:schemeClr>
-          </a:solidFill>
-          <a:prstDash val="solid"/>
-        </a:ln>
-        <a:effectLst/>
-      </dsp:spPr>
-      <dsp:style>
-        <a:lnRef idx="1">
-          <a:scrgbClr r="0" g="0" b="0"/>
-        </a:lnRef>
-        <a:fillRef idx="1">
-          <a:scrgbClr r="0" g="0" b="0"/>
-        </a:fillRef>
-        <a:effectRef idx="0">
-          <a:scrgbClr r="0" g="0" b="0"/>
-        </a:effectRef>
-        <a:fontRef idx="minor"/>
-      </dsp:style>
-    </dsp:sp>
-    <dsp:sp modelId="{3A91A0B6-2985-4A77-B8F4-76BC1F4BE424}">
-      <dsp:nvSpPr>
-        <dsp:cNvPr id="0" name=""/>
-        <dsp:cNvSpPr/>
-      </dsp:nvSpPr>
-      <dsp:spPr>
-        <a:xfrm>
-          <a:off x="7762842" y="305372"/>
-          <a:ext cx="1725179" cy="1465838"/>
-        </a:xfrm>
-        <a:prstGeom prst="rect">
-          <a:avLst/>
-        </a:prstGeom>
-        <a:solidFill>
-          <a:schemeClr val="accent1">
-            <a:tint val="50000"/>
-            <a:hueOff val="0"/>
-            <a:satOff val="0"/>
-            <a:lumOff val="0"/>
-            <a:alphaOff val="0"/>
-          </a:schemeClr>
-        </a:solidFill>
-        <a:ln w="19050" cap="rnd" cmpd="sng" algn="ctr">
-          <a:solidFill>
-            <a:schemeClr val="lt1">
-              <a:hueOff val="0"/>
-              <a:satOff val="0"/>
-              <a:lumOff val="0"/>
-              <a:alphaOff val="0"/>
-            </a:schemeClr>
-          </a:solidFill>
-          <a:prstDash val="solid"/>
-        </a:ln>
-        <a:effectLst/>
-      </dsp:spPr>
-      <dsp:style>
-        <a:lnRef idx="2">
-          <a:scrgbClr r="0" g="0" b="0"/>
-        </a:lnRef>
-        <a:fillRef idx="1">
-          <a:scrgbClr r="0" g="0" b="0"/>
-        </a:fillRef>
-        <a:effectRef idx="0">
-          <a:scrgbClr r="0" g="0" b="0"/>
-        </a:effectRef>
-        <a:fontRef idx="minor"/>
-      </dsp:style>
-    </dsp:sp>
-    <dsp:sp modelId="{289B8921-1F9D-4DA3-A58F-2ACA96436F62}">
-      <dsp:nvSpPr>
-        <dsp:cNvPr id="0" name=""/>
-        <dsp:cNvSpPr/>
-      </dsp:nvSpPr>
-      <dsp:spPr>
-        <a:xfrm>
-          <a:off x="2917591" y="2169253"/>
-          <a:ext cx="1725179" cy="2430864"/>
-        </a:xfrm>
-        <a:prstGeom prst="rect">
-          <a:avLst/>
-        </a:prstGeom>
-        <a:noFill/>
-        <a:ln>
-          <a:noFill/>
-        </a:ln>
-        <a:effectLst/>
-      </dsp:spPr>
-      <dsp:style>
-        <a:lnRef idx="0">
-          <a:scrgbClr r="0" g="0" b="0"/>
-        </a:lnRef>
-        <a:fillRef idx="0">
-          <a:scrgbClr r="0" g="0" b="0"/>
-        </a:fillRef>
-        <a:effectRef idx="0">
-          <a:scrgbClr r="0" g="0" b="0"/>
-        </a:effectRef>
-        <a:fontRef idx="minor"/>
-      </dsp:style>
-      <dsp:txBody>
-        <a:bodyPr spcFirstLastPara="0" vert="horz" wrap="square" lIns="45720" tIns="45720" rIns="45720" bIns="45720" numCol="1" spcCol="1270" anchor="ctr" anchorCtr="0">
-          <a:noAutofit/>
-        </a:bodyPr>
-        <a:lstStyle/>
-        <a:p>
-          <a:pPr marL="0" lvl="0" indent="0" algn="ctr" defTabSz="533400">
-            <a:lnSpc>
-              <a:spcPct val="90000"/>
-            </a:lnSpc>
-            <a:spcBef>
-              <a:spcPct val="0"/>
-            </a:spcBef>
-            <a:spcAft>
-              <a:spcPct val="35000"/>
-            </a:spcAft>
-            <a:buNone/>
-          </a:pPr>
-          <a:endParaRPr lang="en-US" sz="1200" kern="1200" dirty="0"/>
-        </a:p>
-      </dsp:txBody>
-      <dsp:txXfrm>
-        <a:off x="2917591" y="2169253"/>
-        <a:ext cx="1725179" cy="2430864"/>
-      </dsp:txXfrm>
-    </dsp:sp>
-    <dsp:sp modelId="{0E1BAFA9-4F78-4B56-9658-0BDC06BB3234}">
-      <dsp:nvSpPr>
-        <dsp:cNvPr id="0" name=""/>
-        <dsp:cNvSpPr/>
-      </dsp:nvSpPr>
-      <dsp:spPr>
-        <a:xfrm>
-          <a:off x="5243631" y="193599"/>
-          <a:ext cx="1916865" cy="4206505"/>
-        </a:xfrm>
-        <a:prstGeom prst="rect">
-          <a:avLst/>
-        </a:prstGeom>
-        <a:solidFill>
-          <a:schemeClr val="lt1">
-            <a:alpha val="40000"/>
-            <a:hueOff val="0"/>
-            <a:satOff val="0"/>
-            <a:lumOff val="0"/>
-            <a:alphaOff val="0"/>
-          </a:schemeClr>
-        </a:solidFill>
-        <a:ln w="12700" cap="rnd" cmpd="sng" algn="ctr">
-          <a:solidFill>
-            <a:schemeClr val="accent1">
-              <a:hueOff val="0"/>
-              <a:satOff val="0"/>
-              <a:lumOff val="0"/>
-              <a:alphaOff val="0"/>
-            </a:schemeClr>
-          </a:solidFill>
-          <a:prstDash val="solid"/>
-        </a:ln>
-        <a:effectLst/>
-      </dsp:spPr>
-      <dsp:style>
-        <a:lnRef idx="1">
-          <a:scrgbClr r="0" g="0" b="0"/>
-        </a:lnRef>
-        <a:fillRef idx="1">
-          <a:scrgbClr r="0" g="0" b="0"/>
-        </a:fillRef>
-        <a:effectRef idx="0">
-          <a:scrgbClr r="0" g="0" b="0"/>
-        </a:effectRef>
-        <a:fontRef idx="minor"/>
-      </dsp:style>
-    </dsp:sp>
-    <dsp:sp modelId="{58296C06-78CD-4FA9-8A05-946C12BB8F14}">
-      <dsp:nvSpPr>
-        <dsp:cNvPr id="0" name=""/>
-        <dsp:cNvSpPr/>
-      </dsp:nvSpPr>
-      <dsp:spPr>
-        <a:xfrm>
-          <a:off x="5319066" y="349892"/>
-          <a:ext cx="1725179" cy="1465838"/>
-        </a:xfrm>
-        <a:prstGeom prst="rect">
-          <a:avLst/>
-        </a:prstGeom>
-        <a:blipFill>
-          <a:blip xmlns:r="http://schemas.openxmlformats.org/officeDocument/2006/relationships" r:embed="rId2">
-            <a:extLst>
-              <a:ext uri="{28A0092B-C50C-407E-A947-70E740481C1C}">
-                <a14:useLocalDpi xmlns:a14="http://schemas.microsoft.com/office/drawing/2010/main" val="0"/>
-              </a:ext>
-            </a:extLst>
-          </a:blip>
-          <a:srcRect/>
-          <a:stretch>
-            <a:fillRect t="-23000" b="-23000"/>
-          </a:stretch>
-        </a:blipFill>
-        <a:ln w="19050" cap="rnd" cmpd="sng" algn="ctr">
-          <a:solidFill>
-            <a:schemeClr val="lt1">
-              <a:hueOff val="0"/>
-              <a:satOff val="0"/>
-              <a:lumOff val="0"/>
-              <a:alphaOff val="0"/>
-            </a:schemeClr>
-          </a:solidFill>
-          <a:prstDash val="solid"/>
-        </a:ln>
-        <a:effectLst/>
-      </dsp:spPr>
-      <dsp:style>
-        <a:lnRef idx="2">
-          <a:scrgbClr r="0" g="0" b="0"/>
-        </a:lnRef>
-        <a:fillRef idx="1">
-          <a:scrgbClr r="0" g="0" b="0"/>
-        </a:fillRef>
-        <a:effectRef idx="0">
-          <a:scrgbClr r="0" g="0" b="0"/>
-        </a:effectRef>
-        <a:fontRef idx="minor"/>
-      </dsp:style>
-    </dsp:sp>
-    <dsp:sp modelId="{EDA8A7BB-423F-4A2C-ADAD-8D18D6A469A7}">
-      <dsp:nvSpPr>
-        <dsp:cNvPr id="0" name=""/>
-        <dsp:cNvSpPr/>
-      </dsp:nvSpPr>
-      <dsp:spPr>
-        <a:xfrm>
-          <a:off x="5349757" y="1075004"/>
-          <a:ext cx="1725179" cy="3525113"/>
-        </a:xfrm>
-        <a:prstGeom prst="rect">
-          <a:avLst/>
-        </a:prstGeom>
-        <a:noFill/>
-        <a:ln>
-          <a:noFill/>
-        </a:ln>
-        <a:effectLst/>
-      </dsp:spPr>
-      <dsp:style>
-        <a:lnRef idx="0">
-          <a:scrgbClr r="0" g="0" b="0"/>
-        </a:lnRef>
-        <a:fillRef idx="0">
-          <a:scrgbClr r="0" g="0" b="0"/>
-        </a:fillRef>
-        <a:effectRef idx="0">
-          <a:scrgbClr r="0" g="0" b="0"/>
-        </a:effectRef>
-        <a:fontRef idx="minor"/>
-      </dsp:style>
-      <dsp:txBody>
-        <a:bodyPr spcFirstLastPara="0" vert="horz" wrap="square" lIns="41910" tIns="41910" rIns="41910" bIns="41910" numCol="1" spcCol="1270" anchor="ctr" anchorCtr="0">
-          <a:noAutofit/>
-        </a:bodyPr>
-        <a:lstStyle/>
-        <a:p>
-          <a:pPr marL="0" lvl="0" indent="0" algn="ctr" defTabSz="488950">
-            <a:lnSpc>
-              <a:spcPct val="90000"/>
-            </a:lnSpc>
-            <a:spcBef>
-              <a:spcPct val="0"/>
-            </a:spcBef>
-            <a:spcAft>
-              <a:spcPct val="35000"/>
-            </a:spcAft>
-            <a:buNone/>
-          </a:pPr>
-          <a:endParaRPr lang="en-US" sz="1100" b="1" kern="1200" dirty="0"/>
-        </a:p>
-        <a:p>
-          <a:pPr marL="0" lvl="0" indent="0" algn="ctr" defTabSz="488950">
-            <a:lnSpc>
-              <a:spcPct val="90000"/>
-            </a:lnSpc>
-            <a:spcBef>
-              <a:spcPct val="0"/>
-            </a:spcBef>
-            <a:spcAft>
-              <a:spcPct val="35000"/>
-            </a:spcAft>
-            <a:buNone/>
-          </a:pPr>
-          <a:endParaRPr lang="en-US" sz="1100" b="1" kern="1200" dirty="0"/>
-        </a:p>
-        <a:p>
-          <a:pPr marL="0" lvl="0" indent="0" algn="ctr" defTabSz="488950">
-            <a:lnSpc>
-              <a:spcPct val="90000"/>
-            </a:lnSpc>
-            <a:spcBef>
-              <a:spcPct val="0"/>
-            </a:spcBef>
-            <a:spcAft>
-              <a:spcPct val="35000"/>
-            </a:spcAft>
-            <a:buNone/>
-          </a:pPr>
-          <a:r>
-            <a:rPr lang="en-US" sz="1100" b="1" kern="1200" dirty="0"/>
-            <a:t>Chintan Mehta</a:t>
-          </a:r>
-        </a:p>
-        <a:p>
-          <a:pPr marL="0" lvl="0" indent="0" algn="ctr" defTabSz="488950">
-            <a:lnSpc>
-              <a:spcPct val="90000"/>
-            </a:lnSpc>
-            <a:spcBef>
-              <a:spcPct val="0"/>
-            </a:spcBef>
-            <a:spcAft>
-              <a:spcPct val="35000"/>
-            </a:spcAft>
-            <a:buNone/>
-          </a:pPr>
-          <a:endParaRPr lang="en-US" sz="1100" kern="1200" dirty="0"/>
-        </a:p>
-        <a:p>
-          <a:pPr marL="0" lvl="0" indent="0" algn="l" defTabSz="488950">
-            <a:lnSpc>
-              <a:spcPct val="90000"/>
-            </a:lnSpc>
-            <a:spcBef>
-              <a:spcPct val="0"/>
-            </a:spcBef>
-            <a:spcAft>
-              <a:spcPct val="35000"/>
-            </a:spcAft>
-            <a:buNone/>
-          </a:pPr>
-          <a:r>
-            <a:rPr lang="en-US" sz="1100" kern="1200" dirty="0"/>
-            <a:t>Chintan has been with JP Morgan Chase more than 8 years and currently working as Strategic Business Analyst with CCB Remediation and Corrections team. I like to travel and explore new places, listening classical Indian music and Bollywood songs and watching movies.</a:t>
-          </a:r>
-        </a:p>
-      </dsp:txBody>
-      <dsp:txXfrm>
-        <a:off x="5349757" y="1075004"/>
-        <a:ext cx="1725179" cy="3525113"/>
-      </dsp:txXfrm>
-    </dsp:sp>
-    <dsp:sp modelId="{CAD835EB-9538-4666-959F-384CCF08E0DA}">
-      <dsp:nvSpPr>
-        <dsp:cNvPr id="0" name=""/>
-        <dsp:cNvSpPr/>
-      </dsp:nvSpPr>
-      <dsp:spPr>
-        <a:xfrm>
-          <a:off x="7682853" y="198170"/>
-          <a:ext cx="1916865" cy="4213969"/>
-        </a:xfrm>
-        <a:prstGeom prst="rect">
-          <a:avLst/>
-        </a:prstGeom>
-        <a:solidFill>
-          <a:schemeClr val="lt1">
-            <a:alpha val="40000"/>
-            <a:hueOff val="0"/>
-            <a:satOff val="0"/>
-            <a:lumOff val="0"/>
-            <a:alphaOff val="0"/>
-          </a:schemeClr>
-        </a:solidFill>
-        <a:ln w="12700" cap="rnd" cmpd="sng" algn="ctr">
-          <a:solidFill>
-            <a:schemeClr val="accent1">
-              <a:hueOff val="0"/>
-              <a:satOff val="0"/>
-              <a:lumOff val="0"/>
-              <a:alphaOff val="0"/>
-            </a:schemeClr>
-          </a:solidFill>
-          <a:prstDash val="solid"/>
-        </a:ln>
-        <a:effectLst/>
-      </dsp:spPr>
-      <dsp:style>
-        <a:lnRef idx="1">
-          <a:scrgbClr r="0" g="0" b="0"/>
-        </a:lnRef>
-        <a:fillRef idx="1">
-          <a:scrgbClr r="0" g="0" b="0"/>
-        </a:fillRef>
-        <a:effectRef idx="0">
-          <a:scrgbClr r="0" g="0" b="0"/>
-        </a:effectRef>
-        <a:fontRef idx="minor"/>
-      </dsp:style>
-    </dsp:sp>
-    <dsp:sp modelId="{5C4B73BF-4EB6-404B-B77E-EE2E96B96587}">
-      <dsp:nvSpPr>
-        <dsp:cNvPr id="0" name=""/>
-        <dsp:cNvSpPr/>
-      </dsp:nvSpPr>
-      <dsp:spPr>
-        <a:xfrm>
-          <a:off x="2941674" y="340288"/>
-          <a:ext cx="1725179" cy="1465838"/>
-        </a:xfrm>
-        <a:prstGeom prst="rect">
-          <a:avLst/>
-        </a:prstGeom>
-        <a:blipFill rotWithShape="1">
-          <a:blip xmlns:r="http://schemas.openxmlformats.org/officeDocument/2006/relationships" r:embed="rId3"/>
-          <a:srcRect/>
-          <a:stretch>
-            <a:fillRect t="-13000" b="-13000"/>
-          </a:stretch>
-        </a:blipFill>
-        <a:ln w="19050" cap="rnd" cmpd="sng" algn="ctr">
-          <a:solidFill>
-            <a:schemeClr val="lt1">
-              <a:hueOff val="0"/>
-              <a:satOff val="0"/>
-              <a:lumOff val="0"/>
-              <a:alphaOff val="0"/>
-            </a:schemeClr>
-          </a:solidFill>
-          <a:prstDash val="solid"/>
-        </a:ln>
-        <a:effectLst/>
-      </dsp:spPr>
-      <dsp:style>
-        <a:lnRef idx="2">
-          <a:scrgbClr r="0" g="0" b="0"/>
-        </a:lnRef>
-        <a:fillRef idx="1">
-          <a:scrgbClr r="0" g="0" b="0"/>
-        </a:fillRef>
-        <a:effectRef idx="0">
-          <a:scrgbClr r="0" g="0" b="0"/>
-        </a:effectRef>
-        <a:fontRef idx="minor"/>
-      </dsp:style>
-    </dsp:sp>
-    <dsp:sp modelId="{2D9B9575-C59E-4A14-96B3-EB377DFF71B8}">
-      <dsp:nvSpPr>
-        <dsp:cNvPr id="0" name=""/>
-        <dsp:cNvSpPr/>
-      </dsp:nvSpPr>
-      <dsp:spPr>
-        <a:xfrm>
-          <a:off x="7746436" y="2728534"/>
-          <a:ext cx="1725179" cy="608886"/>
-        </a:xfrm>
-        <a:prstGeom prst="rect">
-          <a:avLst/>
-        </a:prstGeom>
-        <a:noFill/>
-        <a:ln>
-          <a:noFill/>
-        </a:ln>
-        <a:effectLst/>
-      </dsp:spPr>
-      <dsp:style>
-        <a:lnRef idx="0">
-          <a:scrgbClr r="0" g="0" b="0"/>
-        </a:lnRef>
-        <a:fillRef idx="0">
-          <a:scrgbClr r="0" g="0" b="0"/>
-        </a:fillRef>
-        <a:effectRef idx="0">
-          <a:scrgbClr r="0" g="0" b="0"/>
-        </a:effectRef>
-        <a:fontRef idx="minor"/>
-      </dsp:style>
-      <dsp:txBody>
-        <a:bodyPr spcFirstLastPara="0" vert="horz" wrap="square" lIns="45720" tIns="45720" rIns="45720" bIns="45720" numCol="1" spcCol="1270" anchor="ctr" anchorCtr="0">
-          <a:noAutofit/>
-        </a:bodyPr>
-        <a:lstStyle/>
-        <a:p>
-          <a:pPr marL="0" lvl="0" indent="0" algn="ctr" defTabSz="533400">
-            <a:lnSpc>
-              <a:spcPct val="90000"/>
-            </a:lnSpc>
-            <a:spcBef>
-              <a:spcPct val="0"/>
-            </a:spcBef>
-            <a:spcAft>
-              <a:spcPct val="35000"/>
-            </a:spcAft>
-            <a:buNone/>
-          </a:pPr>
-          <a:endParaRPr lang="en-US" sz="1200" kern="1200" dirty="0"/>
-        </a:p>
-      </dsp:txBody>
-      <dsp:txXfrm>
-        <a:off x="7746436" y="2728534"/>
-        <a:ext cx="1725179" cy="608886"/>
-      </dsp:txXfrm>
-    </dsp:sp>
   </dsp:spTree>
 </dsp:drawing>
 </file>
@@ -3805,7 +3045,7 @@
     </p:spTree>
     <p:extLst>
       <p:ext uri="{BB962C8B-B14F-4D97-AF65-F5344CB8AC3E}">
-        <p14:creationId xmlns="" xmlns:p14="http://schemas.microsoft.com/office/powerpoint/2010/main" val="1064229214"/>
+        <p14:creationId xmlns:p14="http://schemas.microsoft.com/office/powerpoint/2010/main" val="1064229214"/>
       </p:ext>
     </p:extLst>
   </p:cSld>
@@ -4065,7 +3305,7 @@
     </p:spTree>
     <p:extLst>
       <p:ext uri="{BB962C8B-B14F-4D97-AF65-F5344CB8AC3E}">
-        <p14:creationId xmlns="" xmlns:p14="http://schemas.microsoft.com/office/powerpoint/2010/main" val="2575569466"/>
+        <p14:creationId xmlns:p14="http://schemas.microsoft.com/office/powerpoint/2010/main" val="2575569466"/>
       </p:ext>
     </p:extLst>
   </p:cSld>
@@ -4174,7 +3414,7 @@
     </p:spTree>
     <p:extLst>
       <p:ext uri="{BB962C8B-B14F-4D97-AF65-F5344CB8AC3E}">
-        <p14:creationId xmlns="" xmlns:p14="http://schemas.microsoft.com/office/powerpoint/2010/main" val="2189100612"/>
+        <p14:creationId xmlns:p14="http://schemas.microsoft.com/office/powerpoint/2010/main" val="2189100612"/>
       </p:ext>
     </p:extLst>
   </p:cSld>
@@ -4259,7 +3499,7 @@
     </p:spTree>
     <p:extLst>
       <p:ext uri="{BB962C8B-B14F-4D97-AF65-F5344CB8AC3E}">
-        <p14:creationId xmlns="" xmlns:p14="http://schemas.microsoft.com/office/powerpoint/2010/main" val="3412595458"/>
+        <p14:creationId xmlns:p14="http://schemas.microsoft.com/office/powerpoint/2010/main" val="3412595458"/>
       </p:ext>
     </p:extLst>
   </p:cSld>
@@ -4344,7 +3584,7 @@
     </p:spTree>
     <p:extLst>
       <p:ext uri="{BB962C8B-B14F-4D97-AF65-F5344CB8AC3E}">
-        <p14:creationId xmlns="" xmlns:p14="http://schemas.microsoft.com/office/powerpoint/2010/main" val="4214310740"/>
+        <p14:creationId xmlns:p14="http://schemas.microsoft.com/office/powerpoint/2010/main" val="4214310740"/>
       </p:ext>
     </p:extLst>
   </p:cSld>
@@ -4827,7 +4067,7 @@
     </p:spTree>
     <p:extLst>
       <p:ext uri="{BB962C8B-B14F-4D97-AF65-F5344CB8AC3E}">
-        <p14:creationId xmlns="" xmlns:p14="http://schemas.microsoft.com/office/powerpoint/2010/main" val="3796367483"/>
+        <p14:creationId xmlns:p14="http://schemas.microsoft.com/office/powerpoint/2010/main" val="3796367483"/>
       </p:ext>
     </p:extLst>
   </p:cSld>
@@ -5008,7 +4248,7 @@
     </p:spTree>
     <p:extLst>
       <p:ext uri="{BB962C8B-B14F-4D97-AF65-F5344CB8AC3E}">
-        <p14:creationId xmlns="" xmlns:p14="http://schemas.microsoft.com/office/powerpoint/2010/main" val="2080116226"/>
+        <p14:creationId xmlns:p14="http://schemas.microsoft.com/office/powerpoint/2010/main" val="2080116226"/>
       </p:ext>
     </p:extLst>
   </p:cSld>
@@ -5793,7 +5033,7 @@
     </p:spTree>
     <p:extLst>
       <p:ext uri="{BB962C8B-B14F-4D97-AF65-F5344CB8AC3E}">
-        <p14:creationId xmlns="" xmlns:p14="http://schemas.microsoft.com/office/powerpoint/2010/main" val="1939503951"/>
+        <p14:creationId xmlns:p14="http://schemas.microsoft.com/office/powerpoint/2010/main" val="1939503951"/>
       </p:ext>
     </p:extLst>
   </p:cSld>
@@ -6046,7 +5286,7 @@
     </p:spTree>
     <p:extLst>
       <p:ext uri="{BB962C8B-B14F-4D97-AF65-F5344CB8AC3E}">
-        <p14:creationId xmlns="" xmlns:p14="http://schemas.microsoft.com/office/powerpoint/2010/main" val="573633209"/>
+        <p14:creationId xmlns:p14="http://schemas.microsoft.com/office/powerpoint/2010/main" val="573633209"/>
       </p:ext>
     </p:extLst>
   </p:cSld>
@@ -6452,7 +5692,7 @@
     </p:spTree>
     <p:extLst>
       <p:ext uri="{BB962C8B-B14F-4D97-AF65-F5344CB8AC3E}">
-        <p14:creationId xmlns="" xmlns:p14="http://schemas.microsoft.com/office/powerpoint/2010/main" val="1369299093"/>
+        <p14:creationId xmlns:p14="http://schemas.microsoft.com/office/powerpoint/2010/main" val="1369299093"/>
       </p:ext>
     </p:extLst>
   </p:cSld>
@@ -6705,7 +5945,7 @@
     </p:spTree>
     <p:extLst>
       <p:ext uri="{BB962C8B-B14F-4D97-AF65-F5344CB8AC3E}">
-        <p14:creationId xmlns="" xmlns:p14="http://schemas.microsoft.com/office/powerpoint/2010/main" val="62468650"/>
+        <p14:creationId xmlns:p14="http://schemas.microsoft.com/office/powerpoint/2010/main" val="62468650"/>
       </p:ext>
     </p:extLst>
   </p:cSld>
@@ -7103,7 +6343,7 @@
     </p:spTree>
     <p:extLst>
       <p:ext uri="{BB962C8B-B14F-4D97-AF65-F5344CB8AC3E}">
-        <p14:creationId xmlns="" xmlns:p14="http://schemas.microsoft.com/office/powerpoint/2010/main" val="3578699698"/>
+        <p14:creationId xmlns:p14="http://schemas.microsoft.com/office/powerpoint/2010/main" val="3578699698"/>
       </p:ext>
     </p:extLst>
   </p:cSld>
@@ -7416,7 +6656,7 @@
     </p:spTree>
     <p:extLst>
       <p:ext uri="{BB962C8B-B14F-4D97-AF65-F5344CB8AC3E}">
-        <p14:creationId xmlns="" xmlns:p14="http://schemas.microsoft.com/office/powerpoint/2010/main" val="3811443513"/>
+        <p14:creationId xmlns:p14="http://schemas.microsoft.com/office/powerpoint/2010/main" val="3811443513"/>
       </p:ext>
     </p:extLst>
   </p:cSld>
@@ -7588,7 +6828,7 @@
     </p:spTree>
     <p:extLst>
       <p:ext uri="{BB962C8B-B14F-4D97-AF65-F5344CB8AC3E}">
-        <p14:creationId xmlns="" xmlns:p14="http://schemas.microsoft.com/office/powerpoint/2010/main" val="3176835606"/>
+        <p14:creationId xmlns:p14="http://schemas.microsoft.com/office/powerpoint/2010/main" val="3176835606"/>
       </p:ext>
     </p:extLst>
   </p:cSld>
@@ -7770,7 +7010,7 @@
     </p:spTree>
     <p:extLst>
       <p:ext uri="{BB962C8B-B14F-4D97-AF65-F5344CB8AC3E}">
-        <p14:creationId xmlns="" xmlns:p14="http://schemas.microsoft.com/office/powerpoint/2010/main" val="3719281267"/>
+        <p14:creationId xmlns:p14="http://schemas.microsoft.com/office/powerpoint/2010/main" val="3719281267"/>
       </p:ext>
     </p:extLst>
   </p:cSld>
@@ -8046,7 +7286,7 @@
     </p:spTree>
     <p:extLst>
       <p:ext uri="{BB962C8B-B14F-4D97-AF65-F5344CB8AC3E}">
-        <p14:creationId xmlns="" xmlns:p14="http://schemas.microsoft.com/office/powerpoint/2010/main" val="2549023486"/>
+        <p14:creationId xmlns:p14="http://schemas.microsoft.com/office/powerpoint/2010/main" val="2549023486"/>
       </p:ext>
     </p:extLst>
   </p:cSld>
@@ -8224,7 +7464,7 @@
     </p:spTree>
     <p:extLst>
       <p:ext uri="{BB962C8B-B14F-4D97-AF65-F5344CB8AC3E}">
-        <p14:creationId xmlns="" xmlns:p14="http://schemas.microsoft.com/office/powerpoint/2010/main" val="726127473"/>
+        <p14:creationId xmlns:p14="http://schemas.microsoft.com/office/powerpoint/2010/main" val="726127473"/>
       </p:ext>
     </p:extLst>
   </p:cSld>
@@ -8473,7 +7713,7 @@
     </p:spTree>
     <p:extLst>
       <p:ext uri="{BB962C8B-B14F-4D97-AF65-F5344CB8AC3E}">
-        <p14:creationId xmlns="" xmlns:p14="http://schemas.microsoft.com/office/powerpoint/2010/main" val="3177185813"/>
+        <p14:creationId xmlns:p14="http://schemas.microsoft.com/office/powerpoint/2010/main" val="3177185813"/>
       </p:ext>
     </p:extLst>
   </p:cSld>
@@ -8707,7 +7947,7 @@
     </p:spTree>
     <p:extLst>
       <p:ext uri="{BB962C8B-B14F-4D97-AF65-F5344CB8AC3E}">
-        <p14:creationId xmlns="" xmlns:p14="http://schemas.microsoft.com/office/powerpoint/2010/main" val="1238437764"/>
+        <p14:creationId xmlns:p14="http://schemas.microsoft.com/office/powerpoint/2010/main" val="1238437764"/>
       </p:ext>
     </p:extLst>
   </p:cSld>
@@ -9083,7 +8323,7 @@
     </p:spTree>
     <p:extLst>
       <p:ext uri="{BB962C8B-B14F-4D97-AF65-F5344CB8AC3E}">
-        <p14:creationId xmlns="" xmlns:p14="http://schemas.microsoft.com/office/powerpoint/2010/main" val="1465656484"/>
+        <p14:creationId xmlns:p14="http://schemas.microsoft.com/office/powerpoint/2010/main" val="1465656484"/>
       </p:ext>
     </p:extLst>
   </p:cSld>
@@ -9208,7 +8448,7 @@
     </p:spTree>
     <p:extLst>
       <p:ext uri="{BB962C8B-B14F-4D97-AF65-F5344CB8AC3E}">
-        <p14:creationId xmlns="" xmlns:p14="http://schemas.microsoft.com/office/powerpoint/2010/main" val="297507318"/>
+        <p14:creationId xmlns:p14="http://schemas.microsoft.com/office/powerpoint/2010/main" val="297507318"/>
       </p:ext>
     </p:extLst>
   </p:cSld>
@@ -9305,7 +8545,7 @@
     </p:spTree>
     <p:extLst>
       <p:ext uri="{BB962C8B-B14F-4D97-AF65-F5344CB8AC3E}">
-        <p14:creationId xmlns="" xmlns:p14="http://schemas.microsoft.com/office/powerpoint/2010/main" val="710259361"/>
+        <p14:creationId xmlns:p14="http://schemas.microsoft.com/office/powerpoint/2010/main" val="710259361"/>
       </p:ext>
     </p:extLst>
   </p:cSld>
@@ -9562,7 +8802,7 @@
     </p:spTree>
     <p:extLst>
       <p:ext uri="{BB962C8B-B14F-4D97-AF65-F5344CB8AC3E}">
-        <p14:creationId xmlns="" xmlns:p14="http://schemas.microsoft.com/office/powerpoint/2010/main" val="3295369781"/>
+        <p14:creationId xmlns:p14="http://schemas.microsoft.com/office/powerpoint/2010/main" val="3295369781"/>
       </p:ext>
     </p:extLst>
   </p:cSld>
@@ -9827,7 +9067,7 @@
     </p:spTree>
     <p:extLst>
       <p:ext uri="{BB962C8B-B14F-4D97-AF65-F5344CB8AC3E}">
-        <p14:creationId xmlns="" xmlns:p14="http://schemas.microsoft.com/office/powerpoint/2010/main" val="1330526510"/>
+        <p14:creationId xmlns:p14="http://schemas.microsoft.com/office/powerpoint/2010/main" val="1330526510"/>
       </p:ext>
     </p:extLst>
   </p:cSld>
@@ -10606,7 +9846,7 @@
     </p:spTree>
     <p:extLst>
       <p:ext uri="{BB962C8B-B14F-4D97-AF65-F5344CB8AC3E}">
-        <p14:creationId xmlns="" xmlns:p14="http://schemas.microsoft.com/office/powerpoint/2010/main" val="1745404407"/>
+        <p14:creationId xmlns:p14="http://schemas.microsoft.com/office/powerpoint/2010/main" val="1745404407"/>
       </p:ext>
     </p:extLst>
   </p:cSld>
@@ -11051,7 +10291,7 @@
           <p:cNvPr id="2" name="Title 1">
             <a:extLst>
               <a:ext uri="{FF2B5EF4-FFF2-40B4-BE49-F238E27FC236}">
-                <a16:creationId xmlns="" xmlns:a16="http://schemas.microsoft.com/office/drawing/2014/main" id="{C682F6AE-B576-435B-9BAC-BC1F1A5A6266}"/>
+                <a16:creationId xmlns:a16="http://schemas.microsoft.com/office/drawing/2014/main" xmlns="" id="{C682F6AE-B576-435B-9BAC-BC1F1A5A6266}"/>
               </a:ext>
             </a:extLst>
           </p:cNvPr>
@@ -11079,7 +10319,7 @@
           <p:cNvPr id="3" name="Subtitle 2">
             <a:extLst>
               <a:ext uri="{FF2B5EF4-FFF2-40B4-BE49-F238E27FC236}">
-                <a16:creationId xmlns="" xmlns:a16="http://schemas.microsoft.com/office/drawing/2014/main" id="{49BFF355-B2DE-40EE-87B4-3C327B8AB6DF}"/>
+                <a16:creationId xmlns:a16="http://schemas.microsoft.com/office/drawing/2014/main" xmlns="" id="{49BFF355-B2DE-40EE-87B4-3C327B8AB6DF}"/>
               </a:ext>
             </a:extLst>
           </p:cNvPr>
@@ -11141,7 +10381,7 @@
     </p:spTree>
     <p:extLst>
       <p:ext uri="{BB962C8B-B14F-4D97-AF65-F5344CB8AC3E}">
-        <p14:creationId xmlns="" xmlns:p14="http://schemas.microsoft.com/office/powerpoint/2010/main" val="4287278346"/>
+        <p14:creationId xmlns:p14="http://schemas.microsoft.com/office/powerpoint/2010/main" val="4287278346"/>
       </p:ext>
     </p:extLst>
   </p:cSld>
@@ -11173,7 +10413,7 @@
           <p:cNvPr id="2" name="Title 1">
             <a:extLst>
               <a:ext uri="{FF2B5EF4-FFF2-40B4-BE49-F238E27FC236}">
-                <a16:creationId xmlns="" xmlns:a16="http://schemas.microsoft.com/office/drawing/2014/main" id="{D162E374-069D-47FA-B3F3-1B51EA78C60D}"/>
+                <a16:creationId xmlns:a16="http://schemas.microsoft.com/office/drawing/2014/main" xmlns="" id="{D162E374-069D-47FA-B3F3-1B51EA78C60D}"/>
               </a:ext>
             </a:extLst>
           </p:cNvPr>
@@ -11201,7 +10441,7 @@
           <p:cNvPr id="4" name="Picture 3">
             <a:extLst>
               <a:ext uri="{FF2B5EF4-FFF2-40B4-BE49-F238E27FC236}">
-                <a16:creationId xmlns="" xmlns:a16="http://schemas.microsoft.com/office/drawing/2014/main" id="{6B613A99-25FA-451A-8740-CC6AE03DE72E}"/>
+                <a16:creationId xmlns:a16="http://schemas.microsoft.com/office/drawing/2014/main" xmlns="" id="{6B613A99-25FA-451A-8740-CC6AE03DE72E}"/>
               </a:ext>
             </a:extLst>
           </p:cNvPr>
@@ -11229,7 +10469,7 @@
     </p:spTree>
     <p:extLst>
       <p:ext uri="{BB962C8B-B14F-4D97-AF65-F5344CB8AC3E}">
-        <p14:creationId xmlns="" xmlns:p14="http://schemas.microsoft.com/office/powerpoint/2010/main" val="1793820394"/>
+        <p14:creationId xmlns:p14="http://schemas.microsoft.com/office/powerpoint/2010/main" val="1793820394"/>
       </p:ext>
     </p:extLst>
   </p:cSld>
@@ -11261,7 +10501,7 @@
           <p:cNvPr id="2" name="Title 1">
             <a:extLst>
               <a:ext uri="{FF2B5EF4-FFF2-40B4-BE49-F238E27FC236}">
-                <a16:creationId xmlns="" xmlns:a16="http://schemas.microsoft.com/office/drawing/2014/main" id="{5B79EF67-FD6D-4F16-B2E1-BECA23FE65E3}"/>
+                <a16:creationId xmlns:a16="http://schemas.microsoft.com/office/drawing/2014/main" xmlns="" id="{5B79EF67-FD6D-4F16-B2E1-BECA23FE65E3}"/>
               </a:ext>
             </a:extLst>
           </p:cNvPr>
@@ -11296,7 +10536,7 @@
           <p:cNvPr id="5" name="Diagram 4">
             <a:extLst>
               <a:ext uri="{FF2B5EF4-FFF2-40B4-BE49-F238E27FC236}">
-                <a16:creationId xmlns="" xmlns:a16="http://schemas.microsoft.com/office/drawing/2014/main" id="{2B75E376-F07A-454C-BB39-D880CD7F8535}"/>
+                <a16:creationId xmlns:a16="http://schemas.microsoft.com/office/drawing/2014/main" xmlns="" id="{2B75E376-F07A-454C-BB39-D880CD7F8535}"/>
               </a:ext>
             </a:extLst>
           </p:cNvPr>
@@ -11304,7 +10544,7 @@
           <p:nvPr>
             <p:extLst>
               <p:ext uri="{D42A27DB-BD31-4B8C-83A1-F6EECF244321}">
-                <p14:modId xmlns="" xmlns:p14="http://schemas.microsoft.com/office/powerpoint/2010/main" val="2306079074"/>
+                <p14:modId xmlns:p14="http://schemas.microsoft.com/office/powerpoint/2010/main" val="2306079074"/>
               </p:ext>
             </p:extLst>
           </p:nvPr>
@@ -11324,7 +10564,7 @@
           <p:cNvPr id="3" name="TextBox 2">
             <a:extLst>
               <a:ext uri="{FF2B5EF4-FFF2-40B4-BE49-F238E27FC236}">
-                <a16:creationId xmlns="" xmlns:a16="http://schemas.microsoft.com/office/drawing/2014/main" id="{4E53914E-8996-4AE7-9211-989A9328BADE}"/>
+                <a16:creationId xmlns:a16="http://schemas.microsoft.com/office/drawing/2014/main" xmlns="" id="{4E53914E-8996-4AE7-9211-989A9328BADE}"/>
               </a:ext>
             </a:extLst>
           </p:cNvPr>
@@ -11374,7 +10614,7 @@
           <p:cNvPr id="4" name="TextBox 3">
             <a:extLst>
               <a:ext uri="{FF2B5EF4-FFF2-40B4-BE49-F238E27FC236}">
-                <a16:creationId xmlns="" xmlns:a16="http://schemas.microsoft.com/office/drawing/2014/main" id="{B56EF88B-8E92-4317-9129-AAC7443705CD}"/>
+                <a16:creationId xmlns:a16="http://schemas.microsoft.com/office/drawing/2014/main" xmlns="" id="{B56EF88B-8E92-4317-9129-AAC7443705CD}"/>
               </a:ext>
             </a:extLst>
           </p:cNvPr>
@@ -11421,7 +10661,7 @@
           <p:cNvPr id="7" name="Picture 6">
             <a:extLst>
               <a:ext uri="{FF2B5EF4-FFF2-40B4-BE49-F238E27FC236}">
-                <a16:creationId xmlns="" xmlns:a16="http://schemas.microsoft.com/office/drawing/2014/main" id="{D5F349B5-6D61-4D34-A80B-1792A6BB7B4F}"/>
+                <a16:creationId xmlns:a16="http://schemas.microsoft.com/office/drawing/2014/main" xmlns="" id="{D5F349B5-6D61-4D34-A80B-1792A6BB7B4F}"/>
               </a:ext>
             </a:extLst>
           </p:cNvPr>
@@ -11431,10 +10671,10 @@
           <p:nvPr/>
         </p:nvPicPr>
         <p:blipFill>
-          <a:blip r:embed="rId6">
+          <a:blip r:embed="rId7">
             <a:extLst>
               <a:ext uri="{28A0092B-C50C-407E-A947-70E740481C1C}">
-                <a14:useLocalDpi xmlns="" xmlns:a14="http://schemas.microsoft.com/office/drawing/2010/main" val="0"/>
+                <a14:useLocalDpi xmlns:a14="http://schemas.microsoft.com/office/drawing/2010/main" val="0"/>
               </a:ext>
             </a:extLst>
           </a:blip>
@@ -11455,7 +10695,7 @@
     </p:spTree>
     <p:extLst>
       <p:ext uri="{BB962C8B-B14F-4D97-AF65-F5344CB8AC3E}">
-        <p14:creationId xmlns="" xmlns:p14="http://schemas.microsoft.com/office/powerpoint/2010/main" val="978610413"/>
+        <p14:creationId xmlns:p14="http://schemas.microsoft.com/office/powerpoint/2010/main" val="978610413"/>
       </p:ext>
     </p:extLst>
   </p:cSld>
@@ -11487,7 +10727,7 @@
           <p:cNvPr id="2" name="Title 1">
             <a:extLst>
               <a:ext uri="{FF2B5EF4-FFF2-40B4-BE49-F238E27FC236}">
-                <a16:creationId xmlns="" xmlns:a16="http://schemas.microsoft.com/office/drawing/2014/main" id="{69153BB0-BB4B-497C-98BA-CFA7B413E72F}"/>
+                <a16:creationId xmlns:a16="http://schemas.microsoft.com/office/drawing/2014/main" xmlns="" id="{69153BB0-BB4B-497C-98BA-CFA7B413E72F}"/>
               </a:ext>
             </a:extLst>
           </p:cNvPr>
@@ -11517,7 +10757,7 @@
           <p:cNvPr id="3" name="Content Placeholder 2">
             <a:extLst>
               <a:ext uri="{FF2B5EF4-FFF2-40B4-BE49-F238E27FC236}">
-                <a16:creationId xmlns="" xmlns:a16="http://schemas.microsoft.com/office/drawing/2014/main" id="{A77D4DD7-8274-4E7E-B774-F2AFD1F4572F}"/>
+                <a16:creationId xmlns:a16="http://schemas.microsoft.com/office/drawing/2014/main" xmlns="" id="{A77D4DD7-8274-4E7E-B774-F2AFD1F4572F}"/>
               </a:ext>
             </a:extLst>
           </p:cNvPr>
@@ -11562,7 +10802,7 @@
           <p:cNvPr id="4" name="Title 1">
             <a:extLst>
               <a:ext uri="{FF2B5EF4-FFF2-40B4-BE49-F238E27FC236}">
-                <a16:creationId xmlns="" xmlns:a16="http://schemas.microsoft.com/office/drawing/2014/main" id="{CD325181-CFE1-43DF-95E8-A8E2D3926891}"/>
+                <a16:creationId xmlns:a16="http://schemas.microsoft.com/office/drawing/2014/main" xmlns="" id="{CD325181-CFE1-43DF-95E8-A8E2D3926891}"/>
               </a:ext>
             </a:extLst>
           </p:cNvPr>
@@ -11669,7 +10909,7 @@
           <p:cNvPr id="5" name="Content Placeholder 2">
             <a:extLst>
               <a:ext uri="{FF2B5EF4-FFF2-40B4-BE49-F238E27FC236}">
-                <a16:creationId xmlns="" xmlns:a16="http://schemas.microsoft.com/office/drawing/2014/main" id="{F2BCCEA6-E26D-44C3-84AB-E87BA41413DD}"/>
+                <a16:creationId xmlns:a16="http://schemas.microsoft.com/office/drawing/2014/main" xmlns="" id="{F2BCCEA6-E26D-44C3-84AB-E87BA41413DD}"/>
               </a:ext>
             </a:extLst>
           </p:cNvPr>
@@ -11941,7 +11181,7 @@
     </p:spTree>
     <p:extLst>
       <p:ext uri="{BB962C8B-B14F-4D97-AF65-F5344CB8AC3E}">
-        <p14:creationId xmlns="" xmlns:p14="http://schemas.microsoft.com/office/powerpoint/2010/main" val="1932620333"/>
+        <p14:creationId xmlns:p14="http://schemas.microsoft.com/office/powerpoint/2010/main" val="1932620333"/>
       </p:ext>
     </p:extLst>
   </p:cSld>
@@ -14284,7 +13524,7 @@
     </p:spTree>
     <p:extLst>
       <p:ext uri="{BB962C8B-B14F-4D97-AF65-F5344CB8AC3E}">
-        <p14:creationId xmlns="" xmlns:p14="http://schemas.microsoft.com/office/powerpoint/2010/main" val="1071093776"/>
+        <p14:creationId xmlns:p14="http://schemas.microsoft.com/office/powerpoint/2010/main" val="1071093776"/>
       </p:ext>
     </p:extLst>
   </p:cSld>
@@ -14316,7 +13556,7 @@
           <p:cNvPr id="2" name="Title 1">
             <a:extLst>
               <a:ext uri="{FF2B5EF4-FFF2-40B4-BE49-F238E27FC236}">
-                <a16:creationId xmlns="" xmlns:a16="http://schemas.microsoft.com/office/drawing/2014/main" id="{5A7FCCCD-8861-4484-A196-50501709AA39}"/>
+                <a16:creationId xmlns:a16="http://schemas.microsoft.com/office/drawing/2014/main" xmlns="" id="{5A7FCCCD-8861-4484-A196-50501709AA39}"/>
               </a:ext>
             </a:extLst>
           </p:cNvPr>
@@ -14346,7 +13586,7 @@
           <p:cNvPr id="3" name="Content Placeholder 2">
             <a:extLst>
               <a:ext uri="{FF2B5EF4-FFF2-40B4-BE49-F238E27FC236}">
-                <a16:creationId xmlns="" xmlns:a16="http://schemas.microsoft.com/office/drawing/2014/main" id="{09AD7496-36DE-4A60-8C12-64EEFA4D29D6}"/>
+                <a16:creationId xmlns:a16="http://schemas.microsoft.com/office/drawing/2014/main" xmlns="" id="{09AD7496-36DE-4A60-8C12-64EEFA4D29D6}"/>
               </a:ext>
             </a:extLst>
           </p:cNvPr>
@@ -14403,7 +13643,7 @@
     </p:spTree>
     <p:extLst>
       <p:ext uri="{BB962C8B-B14F-4D97-AF65-F5344CB8AC3E}">
-        <p14:creationId xmlns="" xmlns:p14="http://schemas.microsoft.com/office/powerpoint/2010/main" val="1795880387"/>
+        <p14:creationId xmlns:p14="http://schemas.microsoft.com/office/powerpoint/2010/main" val="1795880387"/>
       </p:ext>
     </p:extLst>
   </p:cSld>
@@ -14435,7 +13675,7 @@
           <p:cNvPr id="2" name="Title 1">
             <a:extLst>
               <a:ext uri="{FF2B5EF4-FFF2-40B4-BE49-F238E27FC236}">
-                <a16:creationId xmlns="" xmlns:a16="http://schemas.microsoft.com/office/drawing/2014/main" id="{7BCF712F-654C-41D1-BC3F-851F33BC6A7A}"/>
+                <a16:creationId xmlns:a16="http://schemas.microsoft.com/office/drawing/2014/main" xmlns="" id="{7BCF712F-654C-41D1-BC3F-851F33BC6A7A}"/>
               </a:ext>
             </a:extLst>
           </p:cNvPr>
@@ -14465,7 +13705,7 @@
           <p:cNvPr id="3" name="Table 2">
             <a:extLst>
               <a:ext uri="{FF2B5EF4-FFF2-40B4-BE49-F238E27FC236}">
-                <a16:creationId xmlns="" xmlns:a16="http://schemas.microsoft.com/office/drawing/2014/main" id="{58CAFB1A-AE41-4E9A-9506-0F9F57C06025}"/>
+                <a16:creationId xmlns:a16="http://schemas.microsoft.com/office/drawing/2014/main" xmlns="" id="{58CAFB1A-AE41-4E9A-9506-0F9F57C06025}"/>
               </a:ext>
             </a:extLst>
           </p:cNvPr>
@@ -14475,7 +13715,7 @@
           <p:nvPr>
             <p:extLst>
               <p:ext uri="{D42A27DB-BD31-4B8C-83A1-F6EECF244321}">
-                <p14:modId xmlns="" xmlns:p14="http://schemas.microsoft.com/office/powerpoint/2010/main" val="1207589094"/>
+                <p14:modId xmlns:p14="http://schemas.microsoft.com/office/powerpoint/2010/main" val="1207589094"/>
               </p:ext>
             </p:extLst>
           </p:nvPr>
@@ -14494,21 +13734,21 @@
                 <a:gridCol w="2397652">
                   <a:extLst>
                     <a:ext uri="{9D8B030D-6E8A-4147-A177-3AD203B41FA5}">
-                      <a16:colId xmlns="" xmlns:a16="http://schemas.microsoft.com/office/drawing/2014/main" val="208429501"/>
+                      <a16:colId xmlns:a16="http://schemas.microsoft.com/office/drawing/2014/main" xmlns="" val="208429501"/>
                     </a:ext>
                   </a:extLst>
                 </a:gridCol>
                 <a:gridCol w="5174594">
                   <a:extLst>
                     <a:ext uri="{9D8B030D-6E8A-4147-A177-3AD203B41FA5}">
-                      <a16:colId xmlns="" xmlns:a16="http://schemas.microsoft.com/office/drawing/2014/main" val="2963046758"/>
+                      <a16:colId xmlns:a16="http://schemas.microsoft.com/office/drawing/2014/main" xmlns="" val="2963046758"/>
                     </a:ext>
                   </a:extLst>
                 </a:gridCol>
                 <a:gridCol w="866948">
                   <a:extLst>
                     <a:ext uri="{9D8B030D-6E8A-4147-A177-3AD203B41FA5}">
-                      <a16:colId xmlns="" xmlns:a16="http://schemas.microsoft.com/office/drawing/2014/main" val="2404702763"/>
+                      <a16:colId xmlns:a16="http://schemas.microsoft.com/office/drawing/2014/main" xmlns="" val="2404702763"/>
                     </a:ext>
                   </a:extLst>
                 </a:gridCol>
@@ -14585,7 +13825,7 @@
                 </a:tc>
                 <a:extLst>
                   <a:ext uri="{0D108BD9-81ED-4DB2-BD59-A6C34878D82A}">
-                    <a16:rowId xmlns="" xmlns:a16="http://schemas.microsoft.com/office/drawing/2014/main" val="214854341"/>
+                    <a16:rowId xmlns:a16="http://schemas.microsoft.com/office/drawing/2014/main" xmlns="" val="214854341"/>
                   </a:ext>
                 </a:extLst>
               </a:tr>
@@ -14661,7 +13901,7 @@
                 </a:tc>
                 <a:extLst>
                   <a:ext uri="{0D108BD9-81ED-4DB2-BD59-A6C34878D82A}">
-                    <a16:rowId xmlns="" xmlns:a16="http://schemas.microsoft.com/office/drawing/2014/main" val="1473116331"/>
+                    <a16:rowId xmlns:a16="http://schemas.microsoft.com/office/drawing/2014/main" xmlns="" val="1473116331"/>
                   </a:ext>
                 </a:extLst>
               </a:tr>
@@ -14737,7 +13977,7 @@
                 </a:tc>
                 <a:extLst>
                   <a:ext uri="{0D108BD9-81ED-4DB2-BD59-A6C34878D82A}">
-                    <a16:rowId xmlns="" xmlns:a16="http://schemas.microsoft.com/office/drawing/2014/main" val="2694046347"/>
+                    <a16:rowId xmlns:a16="http://schemas.microsoft.com/office/drawing/2014/main" xmlns="" val="2694046347"/>
                   </a:ext>
                 </a:extLst>
               </a:tr>
@@ -14813,7 +14053,7 @@
                 </a:tc>
                 <a:extLst>
                   <a:ext uri="{0D108BD9-81ED-4DB2-BD59-A6C34878D82A}">
-                    <a16:rowId xmlns="" xmlns:a16="http://schemas.microsoft.com/office/drawing/2014/main" val="735176549"/>
+                    <a16:rowId xmlns:a16="http://schemas.microsoft.com/office/drawing/2014/main" xmlns="" val="735176549"/>
                   </a:ext>
                 </a:extLst>
               </a:tr>
@@ -14889,7 +14129,7 @@
                 </a:tc>
                 <a:extLst>
                   <a:ext uri="{0D108BD9-81ED-4DB2-BD59-A6C34878D82A}">
-                    <a16:rowId xmlns="" xmlns:a16="http://schemas.microsoft.com/office/drawing/2014/main" val="4172613969"/>
+                    <a16:rowId xmlns:a16="http://schemas.microsoft.com/office/drawing/2014/main" xmlns="" val="4172613969"/>
                   </a:ext>
                 </a:extLst>
               </a:tr>
@@ -14965,7 +14205,7 @@
                 </a:tc>
                 <a:extLst>
                   <a:ext uri="{0D108BD9-81ED-4DB2-BD59-A6C34878D82A}">
-                    <a16:rowId xmlns="" xmlns:a16="http://schemas.microsoft.com/office/drawing/2014/main" val="2151548501"/>
+                    <a16:rowId xmlns:a16="http://schemas.microsoft.com/office/drawing/2014/main" xmlns="" val="2151548501"/>
                   </a:ext>
                 </a:extLst>
               </a:tr>
@@ -15041,7 +14281,7 @@
                 </a:tc>
                 <a:extLst>
                   <a:ext uri="{0D108BD9-81ED-4DB2-BD59-A6C34878D82A}">
-                    <a16:rowId xmlns="" xmlns:a16="http://schemas.microsoft.com/office/drawing/2014/main" val="2163181630"/>
+                    <a16:rowId xmlns:a16="http://schemas.microsoft.com/office/drawing/2014/main" xmlns="" val="2163181630"/>
                   </a:ext>
                 </a:extLst>
               </a:tr>
@@ -15117,7 +14357,7 @@
                 </a:tc>
                 <a:extLst>
                   <a:ext uri="{0D108BD9-81ED-4DB2-BD59-A6C34878D82A}">
-                    <a16:rowId xmlns="" xmlns:a16="http://schemas.microsoft.com/office/drawing/2014/main" val="2333915900"/>
+                    <a16:rowId xmlns:a16="http://schemas.microsoft.com/office/drawing/2014/main" xmlns="" val="2333915900"/>
                   </a:ext>
                 </a:extLst>
               </a:tr>
@@ -15128,7 +14368,7 @@
     </p:spTree>
     <p:extLst>
       <p:ext uri="{BB962C8B-B14F-4D97-AF65-F5344CB8AC3E}">
-        <p14:creationId xmlns="" xmlns:p14="http://schemas.microsoft.com/office/powerpoint/2010/main" val="3679388352"/>
+        <p14:creationId xmlns:p14="http://schemas.microsoft.com/office/powerpoint/2010/main" val="3679388352"/>
       </p:ext>
     </p:extLst>
   </p:cSld>
@@ -15160,7 +14400,7 @@
           <p:cNvPr id="2" name="Title 1">
             <a:extLst>
               <a:ext uri="{FF2B5EF4-FFF2-40B4-BE49-F238E27FC236}">
-                <a16:creationId xmlns="" xmlns:a16="http://schemas.microsoft.com/office/drawing/2014/main" id="{24002F7D-E4BD-4EB3-8EC2-386CEA586CD1}"/>
+                <a16:creationId xmlns:a16="http://schemas.microsoft.com/office/drawing/2014/main" xmlns="" id="{24002F7D-E4BD-4EB3-8EC2-386CEA586CD1}"/>
               </a:ext>
             </a:extLst>
           </p:cNvPr>
@@ -15195,7 +14435,7 @@
           <p:cNvPr id="4" name="TextBox 3">
             <a:extLst>
               <a:ext uri="{FF2B5EF4-FFF2-40B4-BE49-F238E27FC236}">
-                <a16:creationId xmlns="" xmlns:a16="http://schemas.microsoft.com/office/drawing/2014/main" id="{1F4531EE-D7D6-49AA-9985-0151E3E5E297}"/>
+                <a16:creationId xmlns:a16="http://schemas.microsoft.com/office/drawing/2014/main" xmlns="" id="{1F4531EE-D7D6-49AA-9985-0151E3E5E297}"/>
               </a:ext>
             </a:extLst>
           </p:cNvPr>
@@ -15276,7 +14516,7 @@
           <p:cNvPr id="5" name="TextBox 4">
             <a:extLst>
               <a:ext uri="{FF2B5EF4-FFF2-40B4-BE49-F238E27FC236}">
-                <a16:creationId xmlns="" xmlns:a16="http://schemas.microsoft.com/office/drawing/2014/main" id="{ECDD49AE-DFF8-42F3-8409-744738DDB38D}"/>
+                <a16:creationId xmlns:a16="http://schemas.microsoft.com/office/drawing/2014/main" xmlns="" id="{ECDD49AE-DFF8-42F3-8409-744738DDB38D}"/>
               </a:ext>
             </a:extLst>
           </p:cNvPr>
@@ -15377,7 +14617,7 @@
           <p:cNvPr id="6" name="TextBox 5">
             <a:extLst>
               <a:ext uri="{FF2B5EF4-FFF2-40B4-BE49-F238E27FC236}">
-                <a16:creationId xmlns="" xmlns:a16="http://schemas.microsoft.com/office/drawing/2014/main" id="{12D8388F-D8A2-40ED-B041-8EB613D6E639}"/>
+                <a16:creationId xmlns:a16="http://schemas.microsoft.com/office/drawing/2014/main" xmlns="" id="{12D8388F-D8A2-40ED-B041-8EB613D6E639}"/>
               </a:ext>
             </a:extLst>
           </p:cNvPr>
@@ -15409,7 +14649,7 @@
           <p:cNvPr id="8" name="Table 7">
             <a:extLst>
               <a:ext uri="{FF2B5EF4-FFF2-40B4-BE49-F238E27FC236}">
-                <a16:creationId xmlns="" xmlns:a16="http://schemas.microsoft.com/office/drawing/2014/main" id="{DAC264B7-3150-46CC-B25E-7D5E813B2107}"/>
+                <a16:creationId xmlns:a16="http://schemas.microsoft.com/office/drawing/2014/main" xmlns="" id="{DAC264B7-3150-46CC-B25E-7D5E813B2107}"/>
               </a:ext>
             </a:extLst>
           </p:cNvPr>
@@ -15419,7 +14659,7 @@
           <p:nvPr>
             <p:extLst>
               <p:ext uri="{D42A27DB-BD31-4B8C-83A1-F6EECF244321}">
-                <p14:modId xmlns="" xmlns:p14="http://schemas.microsoft.com/office/powerpoint/2010/main" val="353920061"/>
+                <p14:modId xmlns:p14="http://schemas.microsoft.com/office/powerpoint/2010/main" val="353920061"/>
               </p:ext>
             </p:extLst>
           </p:nvPr>
@@ -15438,28 +14678,28 @@
                 <a:gridCol w="1914440">
                   <a:extLst>
                     <a:ext uri="{9D8B030D-6E8A-4147-A177-3AD203B41FA5}">
-                      <a16:colId xmlns="" xmlns:a16="http://schemas.microsoft.com/office/drawing/2014/main" val="3587727809"/>
+                      <a16:colId xmlns:a16="http://schemas.microsoft.com/office/drawing/2014/main" xmlns="" val="3587727809"/>
                     </a:ext>
                   </a:extLst>
                 </a:gridCol>
                 <a:gridCol w="1361209">
                   <a:extLst>
                     <a:ext uri="{9D8B030D-6E8A-4147-A177-3AD203B41FA5}">
-                      <a16:colId xmlns="" xmlns:a16="http://schemas.microsoft.com/office/drawing/2014/main" val="588989717"/>
+                      <a16:colId xmlns:a16="http://schemas.microsoft.com/office/drawing/2014/main" xmlns="" val="588989717"/>
                     </a:ext>
                   </a:extLst>
                 </a:gridCol>
                 <a:gridCol w="733335">
                   <a:extLst>
                     <a:ext uri="{9D8B030D-6E8A-4147-A177-3AD203B41FA5}">
-                      <a16:colId xmlns="" xmlns:a16="http://schemas.microsoft.com/office/drawing/2014/main" val="3710802802"/>
+                      <a16:colId xmlns:a16="http://schemas.microsoft.com/office/drawing/2014/main" xmlns="" val="3710802802"/>
                     </a:ext>
                   </a:extLst>
                 </a:gridCol>
                 <a:gridCol w="1142224">
                   <a:extLst>
                     <a:ext uri="{9D8B030D-6E8A-4147-A177-3AD203B41FA5}">
-                      <a16:colId xmlns="" xmlns:a16="http://schemas.microsoft.com/office/drawing/2014/main" val="3161232220"/>
+                      <a16:colId xmlns:a16="http://schemas.microsoft.com/office/drawing/2014/main" xmlns="" val="3161232220"/>
                     </a:ext>
                   </a:extLst>
                 </a:gridCol>
@@ -15559,7 +14799,7 @@
                 </a:tc>
                 <a:extLst>
                   <a:ext uri="{0D108BD9-81ED-4DB2-BD59-A6C34878D82A}">
-                    <a16:rowId xmlns="" xmlns:a16="http://schemas.microsoft.com/office/drawing/2014/main" val="491505750"/>
+                    <a16:rowId xmlns:a16="http://schemas.microsoft.com/office/drawing/2014/main" xmlns="" val="491505750"/>
                   </a:ext>
                 </a:extLst>
               </a:tr>
@@ -15658,7 +14898,7 @@
                 </a:tc>
                 <a:extLst>
                   <a:ext uri="{0D108BD9-81ED-4DB2-BD59-A6C34878D82A}">
-                    <a16:rowId xmlns="" xmlns:a16="http://schemas.microsoft.com/office/drawing/2014/main" val="196718133"/>
+                    <a16:rowId xmlns:a16="http://schemas.microsoft.com/office/drawing/2014/main" xmlns="" val="196718133"/>
                   </a:ext>
                 </a:extLst>
               </a:tr>
@@ -15757,7 +14997,7 @@
                 </a:tc>
                 <a:extLst>
                   <a:ext uri="{0D108BD9-81ED-4DB2-BD59-A6C34878D82A}">
-                    <a16:rowId xmlns="" xmlns:a16="http://schemas.microsoft.com/office/drawing/2014/main" val="920290734"/>
+                    <a16:rowId xmlns:a16="http://schemas.microsoft.com/office/drawing/2014/main" xmlns="" val="920290734"/>
                   </a:ext>
                 </a:extLst>
               </a:tr>
@@ -15856,7 +15096,7 @@
                 </a:tc>
                 <a:extLst>
                   <a:ext uri="{0D108BD9-81ED-4DB2-BD59-A6C34878D82A}">
-                    <a16:rowId xmlns="" xmlns:a16="http://schemas.microsoft.com/office/drawing/2014/main" val="2359256683"/>
+                    <a16:rowId xmlns:a16="http://schemas.microsoft.com/office/drawing/2014/main" xmlns="" val="2359256683"/>
                   </a:ext>
                 </a:extLst>
               </a:tr>
@@ -15955,7 +15195,7 @@
                 </a:tc>
                 <a:extLst>
                   <a:ext uri="{0D108BD9-81ED-4DB2-BD59-A6C34878D82A}">
-                    <a16:rowId xmlns="" xmlns:a16="http://schemas.microsoft.com/office/drawing/2014/main" val="3750594152"/>
+                    <a16:rowId xmlns:a16="http://schemas.microsoft.com/office/drawing/2014/main" xmlns="" val="3750594152"/>
                   </a:ext>
                 </a:extLst>
               </a:tr>
@@ -16054,7 +15294,7 @@
                 </a:tc>
                 <a:extLst>
                   <a:ext uri="{0D108BD9-81ED-4DB2-BD59-A6C34878D82A}">
-                    <a16:rowId xmlns="" xmlns:a16="http://schemas.microsoft.com/office/drawing/2014/main" val="2914670552"/>
+                    <a16:rowId xmlns:a16="http://schemas.microsoft.com/office/drawing/2014/main" xmlns="" val="2914670552"/>
                   </a:ext>
                 </a:extLst>
               </a:tr>
@@ -16067,7 +15307,7 @@
           <p:cNvPr id="7" name="TextBox 6">
             <a:extLst>
               <a:ext uri="{FF2B5EF4-FFF2-40B4-BE49-F238E27FC236}">
-                <a16:creationId xmlns="" xmlns:a16="http://schemas.microsoft.com/office/drawing/2014/main" id="{74EAD92D-DC66-40CF-9F00-F4EB20D9760C}"/>
+                <a16:creationId xmlns:a16="http://schemas.microsoft.com/office/drawing/2014/main" xmlns="" id="{74EAD92D-DC66-40CF-9F00-F4EB20D9760C}"/>
               </a:ext>
             </a:extLst>
           </p:cNvPr>
@@ -16103,7 +15343,7 @@
     </p:spTree>
     <p:extLst>
       <p:ext uri="{BB962C8B-B14F-4D97-AF65-F5344CB8AC3E}">
-        <p14:creationId xmlns="" xmlns:p14="http://schemas.microsoft.com/office/powerpoint/2010/main" val="1291606751"/>
+        <p14:creationId xmlns:p14="http://schemas.microsoft.com/office/powerpoint/2010/main" val="1291606751"/>
       </p:ext>
     </p:extLst>
   </p:cSld>
@@ -16135,7 +15375,7 @@
           <p:cNvPr id="2" name="Title 1">
             <a:extLst>
               <a:ext uri="{FF2B5EF4-FFF2-40B4-BE49-F238E27FC236}">
-                <a16:creationId xmlns="" xmlns:a16="http://schemas.microsoft.com/office/drawing/2014/main" id="{9A9E382C-1E3A-42CA-A793-6B6768C94B07}"/>
+                <a16:creationId xmlns:a16="http://schemas.microsoft.com/office/drawing/2014/main" xmlns="" id="{9A9E382C-1E3A-42CA-A793-6B6768C94B07}"/>
               </a:ext>
             </a:extLst>
           </p:cNvPr>
@@ -16165,7 +15405,7 @@
           <p:cNvPr id="3" name="Content Placeholder 2">
             <a:extLst>
               <a:ext uri="{FF2B5EF4-FFF2-40B4-BE49-F238E27FC236}">
-                <a16:creationId xmlns="" xmlns:a16="http://schemas.microsoft.com/office/drawing/2014/main" id="{E573BCBB-8385-4D27-A521-39E3DF86BC69}"/>
+                <a16:creationId xmlns:a16="http://schemas.microsoft.com/office/drawing/2014/main" xmlns="" id="{E573BCBB-8385-4D27-A521-39E3DF86BC69}"/>
               </a:ext>
             </a:extLst>
           </p:cNvPr>
@@ -16301,7 +15541,7 @@
     </p:spTree>
     <p:extLst>
       <p:ext uri="{BB962C8B-B14F-4D97-AF65-F5344CB8AC3E}">
-        <p14:creationId xmlns="" xmlns:p14="http://schemas.microsoft.com/office/powerpoint/2010/main" val="1516619519"/>
+        <p14:creationId xmlns:p14="http://schemas.microsoft.com/office/powerpoint/2010/main" val="1516619519"/>
       </p:ext>
     </p:extLst>
   </p:cSld>
@@ -16333,7 +15573,7 @@
           <p:cNvPr id="2" name="Title 1">
             <a:extLst>
               <a:ext uri="{FF2B5EF4-FFF2-40B4-BE49-F238E27FC236}">
-                <a16:creationId xmlns="" xmlns:a16="http://schemas.microsoft.com/office/drawing/2014/main" id="{D32E6053-C9B3-435E-8EC6-A2A23AD1F5A6}"/>
+                <a16:creationId xmlns:a16="http://schemas.microsoft.com/office/drawing/2014/main" xmlns="" id="{D32E6053-C9B3-435E-8EC6-A2A23AD1F5A6}"/>
               </a:ext>
             </a:extLst>
           </p:cNvPr>
@@ -16361,7 +15601,7 @@
           <p:cNvPr id="3" name="Content Placeholder 2">
             <a:extLst>
               <a:ext uri="{FF2B5EF4-FFF2-40B4-BE49-F238E27FC236}">
-                <a16:creationId xmlns="" xmlns:a16="http://schemas.microsoft.com/office/drawing/2014/main" id="{0456D43E-141B-4CDB-B599-C445FBA2B46C}"/>
+                <a16:creationId xmlns:a16="http://schemas.microsoft.com/office/drawing/2014/main" xmlns="" id="{0456D43E-141B-4CDB-B599-C445FBA2B46C}"/>
               </a:ext>
             </a:extLst>
           </p:cNvPr>
@@ -16387,10 +15627,16 @@
           </a:p>
           <a:p>
             <a:r>
+              <a:rPr lang="en-US" smtClean="0">
+                <a:hlinkClick r:id="rId3"/>
+              </a:rPr>
+              <a:t>https</a:t>
+            </a:r>
+            <a:r>
               <a:rPr lang="en-US" dirty="0">
                 <a:hlinkClick r:id="rId3"/>
               </a:rPr>
-              <a:t>https://github.com/amoghugupte/Slackers-Capstone</a:t>
+              <a:t>://amoghugupte.github.io/Slackers-Capstone/</a:t>
             </a:r>
             <a:endParaRPr lang="en-US" dirty="0"/>
           </a:p>
@@ -16426,7 +15672,7 @@
     </p:spTree>
     <p:extLst>
       <p:ext uri="{BB962C8B-B14F-4D97-AF65-F5344CB8AC3E}">
-        <p14:creationId xmlns="" xmlns:p14="http://schemas.microsoft.com/office/powerpoint/2010/main" val="2609616835"/>
+        <p14:creationId xmlns:p14="http://schemas.microsoft.com/office/powerpoint/2010/main" val="2609616835"/>
       </p:ext>
     </p:extLst>
   </p:cSld>
@@ -16687,7 +15933,7 @@
   <a:extraClrSchemeLst/>
   <a:extLst>
     <a:ext uri="{05A4C25C-085E-4340-85A3-A5531E510DB2}">
-      <thm15:themeFamily xmlns="" xmlns:thm15="http://schemas.microsoft.com/office/thememl/2012/main" name="Facet" id="{C0C680CD-088A-49FC-A102-D699147F32B2}" vid="{CFBC31BA-B70F-4F30-BCAA-4F3011E16C4D}"/>
+      <thm15:themeFamily xmlns:thm15="http://schemas.microsoft.com/office/thememl/2012/main" name="Facet" id="{C0C680CD-088A-49FC-A102-D699147F32B2}" vid="{CFBC31BA-B70F-4F30-BCAA-4F3011E16C4D}"/>
     </a:ext>
   </a:extLst>
 </a:theme>
@@ -16982,7 +16228,7 @@
   <a:extraClrSchemeLst/>
   <a:extLst>
     <a:ext uri="{05A4C25C-085E-4340-85A3-A5531E510DB2}">
-      <thm15:themeFamily xmlns="" xmlns:thm15="http://schemas.microsoft.com/office/thememl/2012/main" name="Office Theme" id="{62F939B6-93AF-4DB8-9C6B-D6C7DFDC589F}" vid="{4A3C46E8-61CC-4603-A589-7422A47A8E4A}"/>
+      <thm15:themeFamily xmlns:thm15="http://schemas.microsoft.com/office/thememl/2012/main" name="Office Theme" id="{62F939B6-93AF-4DB8-9C6B-D6C7DFDC589F}" vid="{4A3C46E8-61CC-4603-A589-7422A47A8E4A}"/>
     </a:ext>
   </a:extLst>
 </a:theme>
